--- a/Machine Learning/Lesson 10 Performance Metrics.pptx
+++ b/Machine Learning/Lesson 10 Performance Metrics.pptx
@@ -5,7 +5,7 @@
     <p:sldMasterId id="2147483648" r:id="rId1"/>
   </p:sldMasterIdLst>
   <p:notesMasterIdLst>
-    <p:notesMasterId r:id="rId27"/>
+    <p:notesMasterId r:id="rId37"/>
   </p:notesMasterIdLst>
   <p:sldIdLst>
     <p:sldId id="257" r:id="rId2"/>
@@ -32,7 +32,17 @@
     <p:sldId id="280" r:id="rId23"/>
     <p:sldId id="276" r:id="rId24"/>
     <p:sldId id="281" r:id="rId25"/>
-    <p:sldId id="282" r:id="rId26"/>
+    <p:sldId id="283" r:id="rId26"/>
+    <p:sldId id="284" r:id="rId27"/>
+    <p:sldId id="285" r:id="rId28"/>
+    <p:sldId id="286" r:id="rId29"/>
+    <p:sldId id="287" r:id="rId30"/>
+    <p:sldId id="282" r:id="rId31"/>
+    <p:sldId id="288" r:id="rId32"/>
+    <p:sldId id="289" r:id="rId33"/>
+    <p:sldId id="290" r:id="rId34"/>
+    <p:sldId id="291" r:id="rId35"/>
+    <p:sldId id="292" r:id="rId36"/>
   </p:sldIdLst>
   <p:sldSz cx="12192000" cy="6858000"/>
   <p:notesSz cx="6858000" cy="9144000"/>
@@ -131,6 +141,11 @@
       </a:defRPr>
     </a:lvl9pPr>
   </p:defaultTextStyle>
+  <p:extLst>
+    <p:ext uri="{EFAFB233-063F-42B5-8137-9DF3F51BA10A}">
+      <p15:sldGuideLst xmlns:p15="http://schemas.microsoft.com/office/powerpoint/2012/main"/>
+    </p:ext>
+  </p:extLst>
 </p:presentation>
 </file>
 
@@ -216,7 +231,7 @@
           <a:p>
             <a:fld id="{F5B9AEE1-8E4B-4236-B431-F84786C43485}" type="datetimeFigureOut">
               <a:rPr lang="en-IN" smtClean="0"/>
-              <a:t>02-03-2019</a:t>
+              <a:t>10-03-2019</a:t>
             </a:fld>
             <a:endParaRPr lang="en-IN"/>
           </a:p>
@@ -699,7 +714,7 @@
           <a:p>
             <a:fld id="{6D47910E-D477-4EBD-9142-9E398C0DA011}" type="datetimeFigureOut">
               <a:rPr lang="en-IN" smtClean="0"/>
-              <a:t>02-03-2019</a:t>
+              <a:t>10-03-2019</a:t>
             </a:fld>
             <a:endParaRPr lang="en-IN"/>
           </a:p>
@@ -869,7 +884,7 @@
           <a:p>
             <a:fld id="{6D47910E-D477-4EBD-9142-9E398C0DA011}" type="datetimeFigureOut">
               <a:rPr lang="en-IN" smtClean="0"/>
-              <a:t>02-03-2019</a:t>
+              <a:t>10-03-2019</a:t>
             </a:fld>
             <a:endParaRPr lang="en-IN"/>
           </a:p>
@@ -1049,7 +1064,7 @@
           <a:p>
             <a:fld id="{6D47910E-D477-4EBD-9142-9E398C0DA011}" type="datetimeFigureOut">
               <a:rPr lang="en-IN" smtClean="0"/>
-              <a:t>02-03-2019</a:t>
+              <a:t>10-03-2019</a:t>
             </a:fld>
             <a:endParaRPr lang="en-IN"/>
           </a:p>
@@ -1219,7 +1234,7 @@
           <a:p>
             <a:fld id="{6D47910E-D477-4EBD-9142-9E398C0DA011}" type="datetimeFigureOut">
               <a:rPr lang="en-IN" smtClean="0"/>
-              <a:t>02-03-2019</a:t>
+              <a:t>10-03-2019</a:t>
             </a:fld>
             <a:endParaRPr lang="en-IN"/>
           </a:p>
@@ -1465,7 +1480,7 @@
           <a:p>
             <a:fld id="{6D47910E-D477-4EBD-9142-9E398C0DA011}" type="datetimeFigureOut">
               <a:rPr lang="en-IN" smtClean="0"/>
-              <a:t>02-03-2019</a:t>
+              <a:t>10-03-2019</a:t>
             </a:fld>
             <a:endParaRPr lang="en-IN"/>
           </a:p>
@@ -1697,7 +1712,7 @@
           <a:p>
             <a:fld id="{6D47910E-D477-4EBD-9142-9E398C0DA011}" type="datetimeFigureOut">
               <a:rPr lang="en-IN" smtClean="0"/>
-              <a:t>02-03-2019</a:t>
+              <a:t>10-03-2019</a:t>
             </a:fld>
             <a:endParaRPr lang="en-IN"/>
           </a:p>
@@ -2064,7 +2079,7 @@
           <a:p>
             <a:fld id="{6D47910E-D477-4EBD-9142-9E398C0DA011}" type="datetimeFigureOut">
               <a:rPr lang="en-IN" smtClean="0"/>
-              <a:t>02-03-2019</a:t>
+              <a:t>10-03-2019</a:t>
             </a:fld>
             <a:endParaRPr lang="en-IN"/>
           </a:p>
@@ -2182,7 +2197,7 @@
           <a:p>
             <a:fld id="{6D47910E-D477-4EBD-9142-9E398C0DA011}" type="datetimeFigureOut">
               <a:rPr lang="en-IN" smtClean="0"/>
-              <a:t>02-03-2019</a:t>
+              <a:t>10-03-2019</a:t>
             </a:fld>
             <a:endParaRPr lang="en-IN"/>
           </a:p>
@@ -2277,7 +2292,7 @@
           <a:p>
             <a:fld id="{6D47910E-D477-4EBD-9142-9E398C0DA011}" type="datetimeFigureOut">
               <a:rPr lang="en-IN" smtClean="0"/>
-              <a:t>02-03-2019</a:t>
+              <a:t>10-03-2019</a:t>
             </a:fld>
             <a:endParaRPr lang="en-IN"/>
           </a:p>
@@ -2554,7 +2569,7 @@
           <a:p>
             <a:fld id="{6D47910E-D477-4EBD-9142-9E398C0DA011}" type="datetimeFigureOut">
               <a:rPr lang="en-IN" smtClean="0"/>
-              <a:t>02-03-2019</a:t>
+              <a:t>10-03-2019</a:t>
             </a:fld>
             <a:endParaRPr lang="en-IN"/>
           </a:p>
@@ -2807,7 +2822,7 @@
           <a:p>
             <a:fld id="{6D47910E-D477-4EBD-9142-9E398C0DA011}" type="datetimeFigureOut">
               <a:rPr lang="en-IN" smtClean="0"/>
-              <a:t>02-03-2019</a:t>
+              <a:t>10-03-2019</a:t>
             </a:fld>
             <a:endParaRPr lang="en-IN"/>
           </a:p>
@@ -3020,7 +3035,7 @@
           <a:p>
             <a:fld id="{6D47910E-D477-4EBD-9142-9E398C0DA011}" type="datetimeFigureOut">
               <a:rPr lang="en-IN" smtClean="0"/>
-              <a:t>02-03-2019</a:t>
+              <a:t>10-03-2019</a:t>
             </a:fld>
             <a:endParaRPr lang="en-IN"/>
           </a:p>
@@ -3448,11 +3463,7 @@
             <a:pPr algn="l"/>
             <a:r>
               <a:rPr lang="en-US" dirty="0" smtClean="0"/>
-              <a:t>Lesson </a:t>
-            </a:r>
-            <a:r>
-              <a:rPr lang="en-US" dirty="0" smtClean="0"/>
-              <a:t>10</a:t>
+              <a:t>Lesson 10</a:t>
             </a:r>
             <a:endParaRPr lang="en-IN" dirty="0"/>
           </a:p>
@@ -4022,6 +4033,13 @@
   <p:clrMapOvr>
     <a:masterClrMapping/>
   </p:clrMapOvr>
+  <p:timing>
+    <p:tnLst>
+      <p:par>
+        <p:cTn id="1" dur="indefinite" restart="never" nodeType="tmRoot"/>
+      </p:par>
+    </p:tnLst>
+  </p:timing>
 </p:sld>
 </file>
 
@@ -4250,6 +4268,13 @@
   <p:clrMapOvr>
     <a:masterClrMapping/>
   </p:clrMapOvr>
+  <p:timing>
+    <p:tnLst>
+      <p:par>
+        <p:cTn id="1" dur="indefinite" restart="never" nodeType="tmRoot"/>
+      </p:par>
+    </p:tnLst>
+  </p:timing>
 </p:sld>
 </file>
 
@@ -4474,6 +4499,13 @@
   <p:clrMapOvr>
     <a:masterClrMapping/>
   </p:clrMapOvr>
+  <p:timing>
+    <p:tnLst>
+      <p:par>
+        <p:cTn id="1" dur="indefinite" restart="never" nodeType="tmRoot"/>
+      </p:par>
+    </p:tnLst>
+  </p:timing>
 </p:sld>
 </file>
 
@@ -4728,6 +4760,13 @@
   <p:clrMapOvr>
     <a:masterClrMapping/>
   </p:clrMapOvr>
+  <p:timing>
+    <p:tnLst>
+      <p:par>
+        <p:cTn id="1" dur="indefinite" restart="never" nodeType="tmRoot"/>
+      </p:par>
+    </p:tnLst>
+  </p:timing>
 </p:sld>
 </file>
 
@@ -4952,6 +4991,13 @@
   <p:clrMapOvr>
     <a:masterClrMapping/>
   </p:clrMapOvr>
+  <p:timing>
+    <p:tnLst>
+      <p:par>
+        <p:cTn id="1" dur="indefinite" restart="never" nodeType="tmRoot"/>
+      </p:par>
+    </p:tnLst>
+  </p:timing>
 </p:sld>
 </file>
 
@@ -5206,6 +5252,13 @@
   <p:clrMapOvr>
     <a:masterClrMapping/>
   </p:clrMapOvr>
+  <p:timing>
+    <p:tnLst>
+      <p:par>
+        <p:cTn id="1" dur="indefinite" restart="never" nodeType="tmRoot"/>
+      </p:par>
+    </p:tnLst>
+  </p:timing>
 </p:sld>
 </file>
 
@@ -5421,6 +5474,13 @@
   <p:clrMapOvr>
     <a:masterClrMapping/>
   </p:clrMapOvr>
+  <p:timing>
+    <p:tnLst>
+      <p:par>
+        <p:cTn id="1" dur="indefinite" restart="never" nodeType="tmRoot"/>
+      </p:par>
+    </p:tnLst>
+  </p:timing>
 </p:sld>
 </file>
 
@@ -5625,7 +5685,6 @@
               <a:rPr lang="en-IN" b="1" dirty="0" smtClean="0"/>
               <a:t>So basically if we want to focus more on minimising False Negatives, we would want our Recall to be as close to 100% as possible without precision being too bad and if we want to focus on minimising False positives, then our focus should be to make Precision as close to 100% as possible.</a:t>
             </a:r>
-            <a:endParaRPr lang="en-IN" b="1" dirty="0" smtClean="0"/>
           </a:p>
         </p:txBody>
       </p:sp>
@@ -5639,6 +5698,13 @@
   <p:clrMapOvr>
     <a:masterClrMapping/>
   </p:clrMapOvr>
+  <p:timing>
+    <p:tnLst>
+      <p:par>
+        <p:cTn id="1" dur="indefinite" restart="never" nodeType="tmRoot"/>
+      </p:par>
+    </p:tnLst>
+  </p:timing>
 </p:sld>
 </file>
 
@@ -5893,6 +5959,13 @@
   <p:clrMapOvr>
     <a:masterClrMapping/>
   </p:clrMapOvr>
+  <p:timing>
+    <p:tnLst>
+      <p:par>
+        <p:cTn id="1" dur="indefinite" restart="never" nodeType="tmRoot"/>
+      </p:par>
+    </p:tnLst>
+  </p:timing>
 </p:sld>
 </file>
 
@@ -6121,6 +6194,13 @@
   <p:clrMapOvr>
     <a:masterClrMapping/>
   </p:clrMapOvr>
+  <p:timing>
+    <p:tnLst>
+      <p:par>
+        <p:cTn id="1" dur="indefinite" restart="never" nodeType="tmRoot"/>
+      </p:par>
+    </p:tnLst>
+  </p:timing>
 </p:sld>
 </file>
 
@@ -6261,6 +6341,13 @@
   <p:clrMapOvr>
     <a:masterClrMapping/>
   </p:clrMapOvr>
+  <p:timing>
+    <p:tnLst>
+      <p:par>
+        <p:cTn id="1" dur="indefinite" restart="never" nodeType="tmRoot"/>
+      </p:par>
+    </p:tnLst>
+  </p:timing>
 </p:sld>
 </file>
 
@@ -6515,6 +6602,13 @@
   <p:clrMapOvr>
     <a:masterClrMapping/>
   </p:clrMapOvr>
+  <p:timing>
+    <p:tnLst>
+      <p:par>
+        <p:cTn id="1" dur="indefinite" restart="never" nodeType="tmRoot"/>
+      </p:par>
+    </p:tnLst>
+  </p:timing>
 </p:sld>
 </file>
 
@@ -6732,6 +6826,13 @@
   <p:clrMapOvr>
     <a:masterClrMapping/>
   </p:clrMapOvr>
+  <p:timing>
+    <p:tnLst>
+      <p:par>
+        <p:cTn id="1" dur="indefinite" restart="never" nodeType="tmRoot"/>
+      </p:par>
+    </p:tnLst>
+  </p:timing>
 </p:sld>
 </file>
 
@@ -6982,7 +7083,6 @@
               <a:rPr lang="en-IN" dirty="0" smtClean="0"/>
               <a:t>So if one number is really small between precision and recall, the F1 Score kind of raises a flag and is more closer to the smaller number than the bigger one, giving the model an appropriate score rather than just an arithmetic mean.</a:t>
             </a:r>
-            <a:endParaRPr lang="en-IN" dirty="0" smtClean="0"/>
           </a:p>
         </p:txBody>
       </p:sp>
@@ -6996,6 +7096,13 @@
   <p:clrMapOvr>
     <a:masterClrMapping/>
   </p:clrMapOvr>
+  <p:timing>
+    <p:tnLst>
+      <p:par>
+        <p:cTn id="1" dur="indefinite" restart="never" nodeType="tmRoot"/>
+      </p:par>
+    </p:tnLst>
+  </p:timing>
 </p:sld>
 </file>
 
@@ -7250,6 +7357,13 @@
   <p:clrMapOvr>
     <a:masterClrMapping/>
   </p:clrMapOvr>
+  <p:timing>
+    <p:tnLst>
+      <p:par>
+        <p:cTn id="1" dur="indefinite" restart="never" nodeType="tmRoot"/>
+      </p:par>
+    </p:tnLst>
+  </p:timing>
 </p:sld>
 </file>
 
@@ -7547,6 +7661,13 @@
   <p:clrMapOvr>
     <a:masterClrMapping/>
   </p:clrMapOvr>
+  <p:timing>
+    <p:tnLst>
+      <p:par>
+        <p:cTn id="1" dur="indefinite" restart="never" nodeType="tmRoot"/>
+      </p:par>
+    </p:tnLst>
+  </p:timing>
 </p:sld>
 </file>
 
@@ -7775,11 +7896,7 @@
               <a:buChar char="•"/>
             </a:pPr>
             <a:r>
-              <a:rPr lang="en-US" b="1" dirty="0" smtClean="0">
-                <a:solidFill>
-                  <a:srgbClr val="FF7F0E"/>
-                </a:solidFill>
-              </a:rPr>
+              <a:rPr lang="en-US" dirty="0" smtClean="0"/>
               <a:t>MAE – Mean Absolute Error</a:t>
             </a:r>
           </a:p>
@@ -7789,11 +7906,7 @@
               <a:buChar char="•"/>
             </a:pPr>
             <a:r>
-              <a:rPr lang="en-US" b="1" dirty="0" smtClean="0">
-                <a:solidFill>
-                  <a:srgbClr val="FF7F0E"/>
-                </a:solidFill>
-              </a:rPr>
+              <a:rPr lang="en-US" dirty="0" smtClean="0"/>
               <a:t>MSE – Mean Squared Error</a:t>
             </a:r>
           </a:p>
@@ -7802,7 +7915,1141 @@
     </p:spTree>
     <p:extLst>
       <p:ext uri="{BB962C8B-B14F-4D97-AF65-F5344CB8AC3E}">
-        <p14:creationId xmlns:p14="http://schemas.microsoft.com/office/powerpoint/2010/main" val="641094770"/>
+        <p14:creationId xmlns:p14="http://schemas.microsoft.com/office/powerpoint/2010/main" val="3579913758"/>
+      </p:ext>
+    </p:extLst>
+  </p:cSld>
+  <p:clrMapOvr>
+    <a:masterClrMapping/>
+  </p:clrMapOvr>
+  <p:timing>
+    <p:tnLst>
+      <p:par>
+        <p:cTn id="1" dur="indefinite" restart="never" nodeType="tmRoot"/>
+      </p:par>
+    </p:tnLst>
+  </p:timing>
+</p:sld>
+</file>
+
+<file path=ppt/slides/slide26.xml><?xml version="1.0" encoding="utf-8"?>
+<p:sld xmlns:a="http://schemas.openxmlformats.org/drawingml/2006/main" xmlns:r="http://schemas.openxmlformats.org/officeDocument/2006/relationships" xmlns:p="http://schemas.openxmlformats.org/presentationml/2006/main">
+  <p:cSld>
+    <p:spTree>
+      <p:nvGrpSpPr>
+        <p:cNvPr id="1" name=""/>
+        <p:cNvGrpSpPr/>
+        <p:nvPr/>
+      </p:nvGrpSpPr>
+      <p:grpSpPr>
+        <a:xfrm>
+          <a:off x="0" y="0"/>
+          <a:ext cx="0" cy="0"/>
+          <a:chOff x="0" y="0"/>
+          <a:chExt cx="0" cy="0"/>
+        </a:xfrm>
+      </p:grpSpPr>
+      <p:sp>
+        <p:nvSpPr>
+          <p:cNvPr id="5" name="Title 1"/>
+          <p:cNvSpPr txBox="1">
+            <a:spLocks/>
+          </p:cNvSpPr>
+          <p:nvPr/>
+        </p:nvSpPr>
+        <p:spPr>
+          <a:xfrm>
+            <a:off x="567253" y="114020"/>
+            <a:ext cx="10932020" cy="711548"/>
+          </a:xfrm>
+          <a:prstGeom prst="rect">
+            <a:avLst/>
+          </a:prstGeom>
+        </p:spPr>
+        <p:txBody>
+          <a:bodyPr vert="horz" lIns="91440" tIns="45720" rIns="91440" bIns="45720" rtlCol="0" anchor="ctr">
+            <a:normAutofit/>
+          </a:bodyPr>
+          <a:lstStyle>
+            <a:lvl1pPr algn="l" defTabSz="914400" rtl="0" eaLnBrk="1" latinLnBrk="0" hangingPunct="1">
+              <a:lnSpc>
+                <a:spcPct val="90000"/>
+              </a:lnSpc>
+              <a:spcBef>
+                <a:spcPct val="0"/>
+              </a:spcBef>
+              <a:buNone/>
+              <a:defRPr sz="4400" kern="1200">
+                <a:solidFill>
+                  <a:schemeClr val="tx1"/>
+                </a:solidFill>
+                <a:latin typeface="+mj-lt"/>
+                <a:ea typeface="+mj-ea"/>
+                <a:cs typeface="+mj-cs"/>
+              </a:defRPr>
+            </a:lvl1pPr>
+          </a:lstStyle>
+          <a:p>
+            <a:r>
+              <a:rPr lang="en-US" sz="4000" dirty="0" smtClean="0"/>
+              <a:t>AUC – Area Under the ROC Curve</a:t>
+            </a:r>
+            <a:endParaRPr lang="en-IN" sz="4000" dirty="0"/>
+          </a:p>
+        </p:txBody>
+      </p:sp>
+      <p:cxnSp>
+        <p:nvCxnSpPr>
+          <p:cNvPr id="6" name="Straight Connector 5"/>
+          <p:cNvCxnSpPr/>
+          <p:nvPr/>
+        </p:nvCxnSpPr>
+        <p:spPr>
+          <a:xfrm>
+            <a:off x="665018" y="774182"/>
+            <a:ext cx="10834255" cy="0"/>
+          </a:xfrm>
+          <a:prstGeom prst="line">
+            <a:avLst/>
+          </a:prstGeom>
+          <a:ln>
+            <a:solidFill>
+              <a:schemeClr val="bg1">
+                <a:lumMod val="75000"/>
+              </a:schemeClr>
+            </a:solidFill>
+          </a:ln>
+        </p:spPr>
+        <p:style>
+          <a:lnRef idx="1">
+            <a:schemeClr val="dk1"/>
+          </a:lnRef>
+          <a:fillRef idx="0">
+            <a:schemeClr val="dk1"/>
+          </a:fillRef>
+          <a:effectRef idx="0">
+            <a:schemeClr val="dk1"/>
+          </a:effectRef>
+          <a:fontRef idx="minor">
+            <a:schemeClr val="tx1"/>
+          </a:fontRef>
+        </p:style>
+      </p:cxnSp>
+      <p:sp>
+        <p:nvSpPr>
+          <p:cNvPr id="7" name="Rectangle 6"/>
+          <p:cNvSpPr/>
+          <p:nvPr/>
+        </p:nvSpPr>
+        <p:spPr>
+          <a:xfrm>
+            <a:off x="567253" y="825568"/>
+            <a:ext cx="11049491" cy="4206280"/>
+          </a:xfrm>
+          <a:prstGeom prst="rect">
+            <a:avLst/>
+          </a:prstGeom>
+        </p:spPr>
+        <p:txBody>
+          <a:bodyPr wrap="square">
+            <a:spAutoFit/>
+          </a:bodyPr>
+          <a:lstStyle/>
+          <a:p>
+            <a:pPr>
+              <a:spcAft>
+                <a:spcPts val="1000"/>
+              </a:spcAft>
+            </a:pPr>
+            <a:r>
+              <a:rPr lang="en-IN" b="1" dirty="0" smtClean="0"/>
+              <a:t>Idea of Thresholding</a:t>
+            </a:r>
+            <a:r>
+              <a:rPr lang="en-IN" dirty="0" smtClean="0"/>
+              <a:t>:</a:t>
+            </a:r>
+          </a:p>
+          <a:p>
+            <a:pPr>
+              <a:spcAft>
+                <a:spcPts val="1000"/>
+              </a:spcAft>
+            </a:pPr>
+            <a:r>
+              <a:rPr lang="en-IN" dirty="0" smtClean="0"/>
+              <a:t>Logistic regression </a:t>
+            </a:r>
+            <a:r>
+              <a:rPr lang="en-IN" dirty="0"/>
+              <a:t>returns a probability. You can use the returned probability "as is" (for example, the probability that the user will click on this ad is 0.00023) or convert the returned probability to a binary value (for example, this email is spam</a:t>
+            </a:r>
+            <a:r>
+              <a:rPr lang="en-IN" dirty="0" smtClean="0"/>
+              <a:t>)</a:t>
+            </a:r>
+          </a:p>
+          <a:p>
+            <a:r>
+              <a:rPr lang="en-IN" dirty="0"/>
+              <a:t>A logistic regression model that returns 0.9995 for a particular email message is predicting that it is very likely to be spam. Conversely, another email message with a prediction score of 0.0003 on that same logistic regression model is very likely not spam. </a:t>
+            </a:r>
+            <a:endParaRPr lang="en-IN" dirty="0" smtClean="0"/>
+          </a:p>
+          <a:p>
+            <a:pPr>
+              <a:spcAft>
+                <a:spcPts val="1000"/>
+              </a:spcAft>
+            </a:pPr>
+            <a:r>
+              <a:rPr lang="en-IN" dirty="0" smtClean="0"/>
+              <a:t>However</a:t>
+            </a:r>
+            <a:r>
+              <a:rPr lang="en-IN" dirty="0"/>
+              <a:t>, what about an email message with a prediction score of 0.6</a:t>
+            </a:r>
+            <a:r>
+              <a:rPr lang="en-IN" dirty="0" smtClean="0"/>
+              <a:t>?</a:t>
+            </a:r>
+          </a:p>
+          <a:p>
+            <a:pPr>
+              <a:spcAft>
+                <a:spcPts val="1000"/>
+              </a:spcAft>
+            </a:pPr>
+            <a:r>
+              <a:rPr lang="en-IN" dirty="0"/>
+              <a:t>In order to map a logistic regression value to a binary category, you must define a </a:t>
+            </a:r>
+            <a:r>
+              <a:rPr lang="en-IN" b="1" dirty="0"/>
+              <a:t>classification threshold</a:t>
+            </a:r>
+            <a:r>
+              <a:rPr lang="en-IN" dirty="0"/>
+              <a:t> (also called the </a:t>
+            </a:r>
+            <a:r>
+              <a:rPr lang="en-IN" b="1" dirty="0"/>
+              <a:t>decision threshold</a:t>
+            </a:r>
+            <a:r>
+              <a:rPr lang="en-IN" dirty="0" smtClean="0"/>
+              <a:t>).</a:t>
+            </a:r>
+          </a:p>
+          <a:p>
+            <a:pPr>
+              <a:spcAft>
+                <a:spcPts val="1000"/>
+              </a:spcAft>
+            </a:pPr>
+            <a:r>
+              <a:rPr lang="en-IN" dirty="0"/>
+              <a:t>A value above that threshold indicates "spam"; a value below indicates "not spam." It is tempting to assume that the classification threshold should always be 0.5, but thresholds are problem-dependent, and are therefore values that you must tune.</a:t>
+            </a:r>
+            <a:endParaRPr lang="en-US" dirty="0"/>
+          </a:p>
+        </p:txBody>
+      </p:sp>
+    </p:spTree>
+    <p:extLst>
+      <p:ext uri="{BB962C8B-B14F-4D97-AF65-F5344CB8AC3E}">
+        <p14:creationId xmlns:p14="http://schemas.microsoft.com/office/powerpoint/2010/main" val="2774540752"/>
+      </p:ext>
+    </p:extLst>
+  </p:cSld>
+  <p:clrMapOvr>
+    <a:masterClrMapping/>
+  </p:clrMapOvr>
+</p:sld>
+</file>
+
+<file path=ppt/slides/slide27.xml><?xml version="1.0" encoding="utf-8"?>
+<p:sld xmlns:a="http://schemas.openxmlformats.org/drawingml/2006/main" xmlns:r="http://schemas.openxmlformats.org/officeDocument/2006/relationships" xmlns:p="http://schemas.openxmlformats.org/presentationml/2006/main">
+  <p:cSld>
+    <p:spTree>
+      <p:nvGrpSpPr>
+        <p:cNvPr id="1" name=""/>
+        <p:cNvGrpSpPr/>
+        <p:nvPr/>
+      </p:nvGrpSpPr>
+      <p:grpSpPr>
+        <a:xfrm>
+          <a:off x="0" y="0"/>
+          <a:ext cx="0" cy="0"/>
+          <a:chOff x="0" y="0"/>
+          <a:chExt cx="0" cy="0"/>
+        </a:xfrm>
+      </p:grpSpPr>
+      <p:pic>
+        <p:nvPicPr>
+          <p:cNvPr id="4" name="Picture 3"/>
+          <p:cNvPicPr>
+            <a:picLocks noChangeAspect="1"/>
+          </p:cNvPicPr>
+          <p:nvPr/>
+        </p:nvPicPr>
+        <p:blipFill>
+          <a:blip r:embed="rId2"/>
+          <a:stretch>
+            <a:fillRect/>
+          </a:stretch>
+        </p:blipFill>
+        <p:spPr>
+          <a:xfrm>
+            <a:off x="6892098" y="3145665"/>
+            <a:ext cx="5043129" cy="3637667"/>
+          </a:xfrm>
+          <a:prstGeom prst="rect">
+            <a:avLst/>
+          </a:prstGeom>
+        </p:spPr>
+      </p:pic>
+      <p:sp>
+        <p:nvSpPr>
+          <p:cNvPr id="5" name="Title 1"/>
+          <p:cNvSpPr txBox="1">
+            <a:spLocks/>
+          </p:cNvSpPr>
+          <p:nvPr/>
+        </p:nvSpPr>
+        <p:spPr>
+          <a:xfrm>
+            <a:off x="567253" y="114020"/>
+            <a:ext cx="10932020" cy="711548"/>
+          </a:xfrm>
+          <a:prstGeom prst="rect">
+            <a:avLst/>
+          </a:prstGeom>
+        </p:spPr>
+        <p:txBody>
+          <a:bodyPr vert="horz" lIns="91440" tIns="45720" rIns="91440" bIns="45720" rtlCol="0" anchor="ctr">
+            <a:normAutofit/>
+          </a:bodyPr>
+          <a:lstStyle>
+            <a:lvl1pPr algn="l" defTabSz="914400" rtl="0" eaLnBrk="1" latinLnBrk="0" hangingPunct="1">
+              <a:lnSpc>
+                <a:spcPct val="90000"/>
+              </a:lnSpc>
+              <a:spcBef>
+                <a:spcPct val="0"/>
+              </a:spcBef>
+              <a:buNone/>
+              <a:defRPr sz="4400" kern="1200">
+                <a:solidFill>
+                  <a:schemeClr val="tx1"/>
+                </a:solidFill>
+                <a:latin typeface="+mj-lt"/>
+                <a:ea typeface="+mj-ea"/>
+                <a:cs typeface="+mj-cs"/>
+              </a:defRPr>
+            </a:lvl1pPr>
+          </a:lstStyle>
+          <a:p>
+            <a:r>
+              <a:rPr lang="en-US" sz="4000" dirty="0" smtClean="0"/>
+              <a:t>AUC – Area Under the ROC Curve</a:t>
+            </a:r>
+            <a:endParaRPr lang="en-IN" sz="4000" dirty="0"/>
+          </a:p>
+        </p:txBody>
+      </p:sp>
+      <p:cxnSp>
+        <p:nvCxnSpPr>
+          <p:cNvPr id="6" name="Straight Connector 5"/>
+          <p:cNvCxnSpPr/>
+          <p:nvPr/>
+        </p:nvCxnSpPr>
+        <p:spPr>
+          <a:xfrm>
+            <a:off x="665018" y="774182"/>
+            <a:ext cx="10834255" cy="0"/>
+          </a:xfrm>
+          <a:prstGeom prst="line">
+            <a:avLst/>
+          </a:prstGeom>
+          <a:ln>
+            <a:solidFill>
+              <a:schemeClr val="bg1">
+                <a:lumMod val="75000"/>
+              </a:schemeClr>
+            </a:solidFill>
+          </a:ln>
+        </p:spPr>
+        <p:style>
+          <a:lnRef idx="1">
+            <a:schemeClr val="dk1"/>
+          </a:lnRef>
+          <a:fillRef idx="0">
+            <a:schemeClr val="dk1"/>
+          </a:fillRef>
+          <a:effectRef idx="0">
+            <a:schemeClr val="dk1"/>
+          </a:effectRef>
+          <a:fontRef idx="minor">
+            <a:schemeClr val="tx1"/>
+          </a:fontRef>
+        </p:style>
+      </p:cxnSp>
+      <p:sp>
+        <p:nvSpPr>
+          <p:cNvPr id="7" name="Rectangle 6"/>
+          <p:cNvSpPr/>
+          <p:nvPr/>
+        </p:nvSpPr>
+        <p:spPr>
+          <a:xfrm>
+            <a:off x="567253" y="825568"/>
+            <a:ext cx="11049491" cy="4611519"/>
+          </a:xfrm>
+          <a:prstGeom prst="rect">
+            <a:avLst/>
+          </a:prstGeom>
+        </p:spPr>
+        <p:txBody>
+          <a:bodyPr wrap="square">
+            <a:spAutoFit/>
+          </a:bodyPr>
+          <a:lstStyle/>
+          <a:p>
+            <a:pPr>
+              <a:spcAft>
+                <a:spcPts val="1000"/>
+              </a:spcAft>
+            </a:pPr>
+            <a:r>
+              <a:rPr lang="en-IN" b="1" dirty="0" smtClean="0"/>
+              <a:t>ROC Curve</a:t>
+            </a:r>
+          </a:p>
+          <a:p>
+            <a:r>
+              <a:rPr lang="en-IN" dirty="0"/>
+              <a:t>An </a:t>
+            </a:r>
+            <a:r>
+              <a:rPr lang="en-IN" b="1" dirty="0"/>
+              <a:t>ROC curve</a:t>
+            </a:r>
+            <a:r>
+              <a:rPr lang="en-IN" dirty="0"/>
+              <a:t> (</a:t>
+            </a:r>
+            <a:r>
+              <a:rPr lang="en-IN" b="1" dirty="0"/>
+              <a:t>receiver operating characteristic curve</a:t>
+            </a:r>
+            <a:r>
+              <a:rPr lang="en-IN" dirty="0"/>
+              <a:t>) is a graph showing the performance of a classification model at all classification thresholds. This curve plots two parameters:</a:t>
+            </a:r>
+          </a:p>
+          <a:p>
+            <a:pPr marL="285750" indent="-285750">
+              <a:buFont typeface="Arial" panose="020B0604020202020204" pitchFamily="34" charset="0"/>
+              <a:buChar char="•"/>
+            </a:pPr>
+            <a:r>
+              <a:rPr lang="en-IN" dirty="0"/>
+              <a:t>True Positive </a:t>
+            </a:r>
+            <a:r>
+              <a:rPr lang="en-IN" dirty="0" smtClean="0"/>
+              <a:t>Rate</a:t>
+            </a:r>
+          </a:p>
+          <a:p>
+            <a:pPr marL="285750" indent="-285750">
+              <a:buFont typeface="Arial" panose="020B0604020202020204" pitchFamily="34" charset="0"/>
+              <a:buChar char="•"/>
+            </a:pPr>
+            <a:r>
+              <a:rPr lang="en-IN" dirty="0" smtClean="0"/>
+              <a:t>False </a:t>
+            </a:r>
+            <a:r>
+              <a:rPr lang="en-IN" dirty="0"/>
+              <a:t>Positive Rate</a:t>
+            </a:r>
+          </a:p>
+          <a:p>
+            <a:r>
+              <a:rPr lang="en-IN" b="1" dirty="0"/>
+              <a:t>True Positive Rate</a:t>
+            </a:r>
+            <a:r>
+              <a:rPr lang="en-IN" dirty="0"/>
+              <a:t> (</a:t>
+            </a:r>
+            <a:r>
+              <a:rPr lang="en-IN" b="1" dirty="0"/>
+              <a:t>TPR</a:t>
+            </a:r>
+            <a:r>
+              <a:rPr lang="en-IN" dirty="0"/>
+              <a:t>) is a synonym for recall and is therefore defined as follows</a:t>
+            </a:r>
+            <a:r>
+              <a:rPr lang="en-IN" dirty="0" smtClean="0"/>
+              <a:t>:</a:t>
+            </a:r>
+          </a:p>
+          <a:p>
+            <a:endParaRPr lang="en-IN" dirty="0"/>
+          </a:p>
+          <a:p>
+            <a:endParaRPr lang="en-IN" b="1" dirty="0" smtClean="0"/>
+          </a:p>
+          <a:p>
+            <a:r>
+              <a:rPr lang="en-IN" b="1" dirty="0" smtClean="0"/>
+              <a:t>False </a:t>
+            </a:r>
+            <a:r>
+              <a:rPr lang="en-IN" b="1" dirty="0"/>
+              <a:t>Positive Rate</a:t>
+            </a:r>
+            <a:r>
+              <a:rPr lang="en-IN" dirty="0"/>
+              <a:t> (</a:t>
+            </a:r>
+            <a:r>
+              <a:rPr lang="en-IN" b="1" dirty="0"/>
+              <a:t>FPR</a:t>
+            </a:r>
+            <a:r>
+              <a:rPr lang="en-IN" dirty="0"/>
+              <a:t>) is defined as follows:</a:t>
+            </a:r>
+          </a:p>
+          <a:p>
+            <a:pPr>
+              <a:spcAft>
+                <a:spcPts val="1000"/>
+              </a:spcAft>
+            </a:pPr>
+            <a:endParaRPr lang="en-US" dirty="0" smtClean="0"/>
+          </a:p>
+          <a:p>
+            <a:pPr>
+              <a:spcAft>
+                <a:spcPts val="1000"/>
+              </a:spcAft>
+            </a:pPr>
+            <a:endParaRPr lang="en-US" dirty="0"/>
+          </a:p>
+          <a:p>
+            <a:r>
+              <a:rPr lang="en-IN" dirty="0"/>
+              <a:t>An ROC curve plots TPR vs. FPR at different classification </a:t>
+            </a:r>
+            <a:r>
+              <a:rPr lang="en-IN" dirty="0" smtClean="0"/>
+              <a:t>thresholds.</a:t>
+            </a:r>
+          </a:p>
+          <a:p>
+            <a:pPr>
+              <a:spcAft>
+                <a:spcPts val="1000"/>
+              </a:spcAft>
+            </a:pPr>
+            <a:r>
+              <a:rPr lang="en-IN" dirty="0" smtClean="0"/>
+              <a:t>(as shown in the right fig)</a:t>
+            </a:r>
+            <a:endParaRPr lang="en-US" dirty="0" smtClean="0"/>
+          </a:p>
+          <a:p>
+            <a:pPr>
+              <a:spcAft>
+                <a:spcPts val="1000"/>
+              </a:spcAft>
+            </a:pPr>
+            <a:endParaRPr lang="en-IN" dirty="0" smtClean="0"/>
+          </a:p>
+        </p:txBody>
+      </p:sp>
+      <p:pic>
+        <p:nvPicPr>
+          <p:cNvPr id="2" name="Picture 1"/>
+          <p:cNvPicPr>
+            <a:picLocks noChangeAspect="1"/>
+          </p:cNvPicPr>
+          <p:nvPr/>
+        </p:nvPicPr>
+        <p:blipFill>
+          <a:blip r:embed="rId3"/>
+          <a:stretch>
+            <a:fillRect/>
+          </a:stretch>
+        </p:blipFill>
+        <p:spPr>
+          <a:xfrm>
+            <a:off x="5291898" y="2659151"/>
+            <a:ext cx="1600200" cy="638175"/>
+          </a:xfrm>
+          <a:prstGeom prst="rect">
+            <a:avLst/>
+          </a:prstGeom>
+        </p:spPr>
+      </p:pic>
+      <p:pic>
+        <p:nvPicPr>
+          <p:cNvPr id="3" name="Picture 2"/>
+          <p:cNvPicPr>
+            <a:picLocks noChangeAspect="1"/>
+          </p:cNvPicPr>
+          <p:nvPr/>
+        </p:nvPicPr>
+        <p:blipFill>
+          <a:blip r:embed="rId4"/>
+          <a:stretch>
+            <a:fillRect/>
+          </a:stretch>
+        </p:blipFill>
+        <p:spPr>
+          <a:xfrm>
+            <a:off x="5310948" y="3399274"/>
+            <a:ext cx="1581150" cy="609600"/>
+          </a:xfrm>
+          <a:prstGeom prst="rect">
+            <a:avLst/>
+          </a:prstGeom>
+        </p:spPr>
+      </p:pic>
+    </p:spTree>
+    <p:extLst>
+      <p:ext uri="{BB962C8B-B14F-4D97-AF65-F5344CB8AC3E}">
+        <p14:creationId xmlns:p14="http://schemas.microsoft.com/office/powerpoint/2010/main" val="2370599292"/>
+      </p:ext>
+    </p:extLst>
+  </p:cSld>
+  <p:clrMapOvr>
+    <a:masterClrMapping/>
+  </p:clrMapOvr>
+</p:sld>
+</file>
+
+<file path=ppt/slides/slide28.xml><?xml version="1.0" encoding="utf-8"?>
+<p:sld xmlns:a="http://schemas.openxmlformats.org/drawingml/2006/main" xmlns:r="http://schemas.openxmlformats.org/officeDocument/2006/relationships" xmlns:p="http://schemas.openxmlformats.org/presentationml/2006/main">
+  <p:cSld>
+    <p:spTree>
+      <p:nvGrpSpPr>
+        <p:cNvPr id="1" name=""/>
+        <p:cNvGrpSpPr/>
+        <p:nvPr/>
+      </p:nvGrpSpPr>
+      <p:grpSpPr>
+        <a:xfrm>
+          <a:off x="0" y="0"/>
+          <a:ext cx="0" cy="0"/>
+          <a:chOff x="0" y="0"/>
+          <a:chExt cx="0" cy="0"/>
+        </a:xfrm>
+      </p:grpSpPr>
+      <p:pic>
+        <p:nvPicPr>
+          <p:cNvPr id="10" name="Picture 9"/>
+          <p:cNvPicPr>
+            <a:picLocks noChangeAspect="1"/>
+          </p:cNvPicPr>
+          <p:nvPr/>
+        </p:nvPicPr>
+        <p:blipFill>
+          <a:blip r:embed="rId2"/>
+          <a:stretch>
+            <a:fillRect/>
+          </a:stretch>
+        </p:blipFill>
+        <p:spPr>
+          <a:xfrm>
+            <a:off x="7050695" y="2639446"/>
+            <a:ext cx="4746354" cy="4032945"/>
+          </a:xfrm>
+          <a:prstGeom prst="rect">
+            <a:avLst/>
+          </a:prstGeom>
+        </p:spPr>
+      </p:pic>
+      <p:sp>
+        <p:nvSpPr>
+          <p:cNvPr id="5" name="Title 1"/>
+          <p:cNvSpPr txBox="1">
+            <a:spLocks/>
+          </p:cNvSpPr>
+          <p:nvPr/>
+        </p:nvSpPr>
+        <p:spPr>
+          <a:xfrm>
+            <a:off x="567253" y="114020"/>
+            <a:ext cx="10932020" cy="711548"/>
+          </a:xfrm>
+          <a:prstGeom prst="rect">
+            <a:avLst/>
+          </a:prstGeom>
+        </p:spPr>
+        <p:txBody>
+          <a:bodyPr vert="horz" lIns="91440" tIns="45720" rIns="91440" bIns="45720" rtlCol="0" anchor="ctr">
+            <a:normAutofit/>
+          </a:bodyPr>
+          <a:lstStyle>
+            <a:lvl1pPr algn="l" defTabSz="914400" rtl="0" eaLnBrk="1" latinLnBrk="0" hangingPunct="1">
+              <a:lnSpc>
+                <a:spcPct val="90000"/>
+              </a:lnSpc>
+              <a:spcBef>
+                <a:spcPct val="0"/>
+              </a:spcBef>
+              <a:buNone/>
+              <a:defRPr sz="4400" kern="1200">
+                <a:solidFill>
+                  <a:schemeClr val="tx1"/>
+                </a:solidFill>
+                <a:latin typeface="+mj-lt"/>
+                <a:ea typeface="+mj-ea"/>
+                <a:cs typeface="+mj-cs"/>
+              </a:defRPr>
+            </a:lvl1pPr>
+          </a:lstStyle>
+          <a:p>
+            <a:r>
+              <a:rPr lang="en-US" sz="4000" dirty="0" smtClean="0"/>
+              <a:t>AUC – Area Under the ROC Curve</a:t>
+            </a:r>
+            <a:endParaRPr lang="en-IN" sz="4000" dirty="0"/>
+          </a:p>
+        </p:txBody>
+      </p:sp>
+      <p:cxnSp>
+        <p:nvCxnSpPr>
+          <p:cNvPr id="6" name="Straight Connector 5"/>
+          <p:cNvCxnSpPr/>
+          <p:nvPr/>
+        </p:nvCxnSpPr>
+        <p:spPr>
+          <a:xfrm>
+            <a:off x="665018" y="774182"/>
+            <a:ext cx="10834255" cy="0"/>
+          </a:xfrm>
+          <a:prstGeom prst="line">
+            <a:avLst/>
+          </a:prstGeom>
+          <a:ln>
+            <a:solidFill>
+              <a:schemeClr val="bg1">
+                <a:lumMod val="75000"/>
+              </a:schemeClr>
+            </a:solidFill>
+          </a:ln>
+        </p:spPr>
+        <p:style>
+          <a:lnRef idx="1">
+            <a:schemeClr val="dk1"/>
+          </a:lnRef>
+          <a:fillRef idx="0">
+            <a:schemeClr val="dk1"/>
+          </a:fillRef>
+          <a:effectRef idx="0">
+            <a:schemeClr val="dk1"/>
+          </a:effectRef>
+          <a:fontRef idx="minor">
+            <a:schemeClr val="tx1"/>
+          </a:fontRef>
+        </p:style>
+      </p:cxnSp>
+      <p:sp>
+        <p:nvSpPr>
+          <p:cNvPr id="7" name="Rectangle 6"/>
+          <p:cNvSpPr/>
+          <p:nvPr/>
+        </p:nvSpPr>
+        <p:spPr>
+          <a:xfrm>
+            <a:off x="567253" y="825568"/>
+            <a:ext cx="11049491" cy="3949799"/>
+          </a:xfrm>
+          <a:prstGeom prst="rect">
+            <a:avLst/>
+          </a:prstGeom>
+        </p:spPr>
+        <p:txBody>
+          <a:bodyPr wrap="square">
+            <a:spAutoFit/>
+          </a:bodyPr>
+          <a:lstStyle/>
+          <a:p>
+            <a:pPr>
+              <a:spcAft>
+                <a:spcPts val="1000"/>
+              </a:spcAft>
+            </a:pPr>
+            <a:r>
+              <a:rPr lang="en-US" b="1" dirty="0" smtClean="0"/>
+              <a:t>AUC Value</a:t>
+            </a:r>
+            <a:endParaRPr lang="en-IN" b="1" dirty="0" smtClean="0"/>
+          </a:p>
+          <a:p>
+            <a:pPr>
+              <a:spcAft>
+                <a:spcPts val="1000"/>
+              </a:spcAft>
+            </a:pPr>
+            <a:r>
+              <a:rPr lang="en-IN" dirty="0"/>
+              <a:t>Lowering the classification threshold classifies more items as positive, thus increasing both False Positives and True Positives. </a:t>
+            </a:r>
+            <a:endParaRPr lang="en-IN" dirty="0" smtClean="0"/>
+          </a:p>
+          <a:p>
+            <a:r>
+              <a:rPr lang="en-IN" dirty="0"/>
+              <a:t>To compute the points in an ROC curve, we could evaluate a logistic regression model many times with different classification thresholds, but this would be inefficient. Fortunately, there's an efficient, sorting-based algorithm that can provide this information for us, called </a:t>
+            </a:r>
+            <a:r>
+              <a:rPr lang="en-IN" b="1" dirty="0"/>
+              <a:t>AUC</a:t>
+            </a:r>
+            <a:r>
+              <a:rPr lang="en-IN" dirty="0" smtClean="0"/>
+              <a:t>.</a:t>
+            </a:r>
+          </a:p>
+          <a:p>
+            <a:endParaRPr lang="en-US" dirty="0"/>
+          </a:p>
+          <a:p>
+            <a:r>
+              <a:rPr lang="en-IN" b="1" dirty="0"/>
+              <a:t>AUC</a:t>
+            </a:r>
+            <a:r>
+              <a:rPr lang="en-IN" dirty="0"/>
+              <a:t> stands for "Area under the ROC Curve." That is, AUC measures </a:t>
+            </a:r>
+            <a:endParaRPr lang="en-IN" dirty="0" smtClean="0"/>
+          </a:p>
+          <a:p>
+            <a:r>
+              <a:rPr lang="en-IN" dirty="0" smtClean="0"/>
+              <a:t>the </a:t>
+            </a:r>
+            <a:r>
+              <a:rPr lang="en-IN" dirty="0"/>
+              <a:t>entire two-dimensional area underneath the entire </a:t>
+            </a:r>
+            <a:endParaRPr lang="en-IN" dirty="0" smtClean="0"/>
+          </a:p>
+          <a:p>
+            <a:r>
+              <a:rPr lang="en-IN" dirty="0" smtClean="0"/>
+              <a:t>ROC </a:t>
+            </a:r>
+            <a:r>
+              <a:rPr lang="en-IN" dirty="0"/>
+              <a:t>curve (think integral calculus) from (0,0) to (1,1</a:t>
+            </a:r>
+            <a:r>
+              <a:rPr lang="en-IN" dirty="0" smtClean="0"/>
+              <a:t>)</a:t>
+            </a:r>
+          </a:p>
+          <a:p>
+            <a:endParaRPr lang="en-US" dirty="0"/>
+          </a:p>
+          <a:p>
+            <a:r>
+              <a:rPr lang="en-IN" dirty="0"/>
+              <a:t>AUC provides an aggregate measure of performance across all </a:t>
+            </a:r>
+            <a:endParaRPr lang="en-IN" dirty="0" smtClean="0"/>
+          </a:p>
+          <a:p>
+            <a:r>
+              <a:rPr lang="en-IN" dirty="0" smtClean="0"/>
+              <a:t>possible </a:t>
+            </a:r>
+            <a:r>
+              <a:rPr lang="en-IN" dirty="0"/>
+              <a:t>classification thresholds.</a:t>
+            </a:r>
+            <a:endParaRPr lang="en-IN" dirty="0" smtClean="0"/>
+          </a:p>
+        </p:txBody>
+      </p:sp>
+    </p:spTree>
+    <p:extLst>
+      <p:ext uri="{BB962C8B-B14F-4D97-AF65-F5344CB8AC3E}">
+        <p14:creationId xmlns:p14="http://schemas.microsoft.com/office/powerpoint/2010/main" val="983383663"/>
+      </p:ext>
+    </p:extLst>
+  </p:cSld>
+  <p:clrMapOvr>
+    <a:masterClrMapping/>
+  </p:clrMapOvr>
+</p:sld>
+</file>
+
+<file path=ppt/slides/slide29.xml><?xml version="1.0" encoding="utf-8"?>
+<p:sld xmlns:a="http://schemas.openxmlformats.org/drawingml/2006/main" xmlns:r="http://schemas.openxmlformats.org/officeDocument/2006/relationships" xmlns:p="http://schemas.openxmlformats.org/presentationml/2006/main">
+  <p:cSld>
+    <p:spTree>
+      <p:nvGrpSpPr>
+        <p:cNvPr id="1" name=""/>
+        <p:cNvGrpSpPr/>
+        <p:nvPr/>
+      </p:nvGrpSpPr>
+      <p:grpSpPr>
+        <a:xfrm>
+          <a:off x="0" y="0"/>
+          <a:ext cx="0" cy="0"/>
+          <a:chOff x="0" y="0"/>
+          <a:chExt cx="0" cy="0"/>
+        </a:xfrm>
+      </p:grpSpPr>
+      <p:sp>
+        <p:nvSpPr>
+          <p:cNvPr id="5" name="Title 1"/>
+          <p:cNvSpPr txBox="1">
+            <a:spLocks/>
+          </p:cNvSpPr>
+          <p:nvPr/>
+        </p:nvSpPr>
+        <p:spPr>
+          <a:xfrm>
+            <a:off x="567253" y="114020"/>
+            <a:ext cx="10932020" cy="711548"/>
+          </a:xfrm>
+          <a:prstGeom prst="rect">
+            <a:avLst/>
+          </a:prstGeom>
+        </p:spPr>
+        <p:txBody>
+          <a:bodyPr vert="horz" lIns="91440" tIns="45720" rIns="91440" bIns="45720" rtlCol="0" anchor="ctr">
+            <a:normAutofit/>
+          </a:bodyPr>
+          <a:lstStyle>
+            <a:lvl1pPr algn="l" defTabSz="914400" rtl="0" eaLnBrk="1" latinLnBrk="0" hangingPunct="1">
+              <a:lnSpc>
+                <a:spcPct val="90000"/>
+              </a:lnSpc>
+              <a:spcBef>
+                <a:spcPct val="0"/>
+              </a:spcBef>
+              <a:buNone/>
+              <a:defRPr sz="4400" kern="1200">
+                <a:solidFill>
+                  <a:schemeClr val="tx1"/>
+                </a:solidFill>
+                <a:latin typeface="+mj-lt"/>
+                <a:ea typeface="+mj-ea"/>
+                <a:cs typeface="+mj-cs"/>
+              </a:defRPr>
+            </a:lvl1pPr>
+          </a:lstStyle>
+          <a:p>
+            <a:r>
+              <a:rPr lang="en-US" sz="4000" dirty="0" smtClean="0"/>
+              <a:t>AUC – Area Under the ROC Curve</a:t>
+            </a:r>
+            <a:endParaRPr lang="en-IN" sz="4000" dirty="0"/>
+          </a:p>
+        </p:txBody>
+      </p:sp>
+      <p:cxnSp>
+        <p:nvCxnSpPr>
+          <p:cNvPr id="6" name="Straight Connector 5"/>
+          <p:cNvCxnSpPr/>
+          <p:nvPr/>
+        </p:nvCxnSpPr>
+        <p:spPr>
+          <a:xfrm>
+            <a:off x="665018" y="774182"/>
+            <a:ext cx="10834255" cy="0"/>
+          </a:xfrm>
+          <a:prstGeom prst="line">
+            <a:avLst/>
+          </a:prstGeom>
+          <a:ln>
+            <a:solidFill>
+              <a:schemeClr val="bg1">
+                <a:lumMod val="75000"/>
+              </a:schemeClr>
+            </a:solidFill>
+          </a:ln>
+        </p:spPr>
+        <p:style>
+          <a:lnRef idx="1">
+            <a:schemeClr val="dk1"/>
+          </a:lnRef>
+          <a:fillRef idx="0">
+            <a:schemeClr val="dk1"/>
+          </a:fillRef>
+          <a:effectRef idx="0">
+            <a:schemeClr val="dk1"/>
+          </a:effectRef>
+          <a:fontRef idx="minor">
+            <a:schemeClr val="tx1"/>
+          </a:fontRef>
+        </p:style>
+      </p:cxnSp>
+      <p:sp>
+        <p:nvSpPr>
+          <p:cNvPr id="7" name="Rectangle 6"/>
+          <p:cNvSpPr/>
+          <p:nvPr/>
+        </p:nvSpPr>
+        <p:spPr>
+          <a:xfrm>
+            <a:off x="567253" y="825568"/>
+            <a:ext cx="11049491" cy="5186035"/>
+          </a:xfrm>
+          <a:prstGeom prst="rect">
+            <a:avLst/>
+          </a:prstGeom>
+        </p:spPr>
+        <p:txBody>
+          <a:bodyPr wrap="square">
+            <a:spAutoFit/>
+          </a:bodyPr>
+          <a:lstStyle/>
+          <a:p>
+            <a:pPr>
+              <a:spcAft>
+                <a:spcPts val="1000"/>
+              </a:spcAft>
+            </a:pPr>
+            <a:r>
+              <a:rPr lang="en-US" b="1" dirty="0" smtClean="0"/>
+              <a:t>AUC Value</a:t>
+            </a:r>
+          </a:p>
+          <a:p>
+            <a:pPr>
+              <a:spcAft>
+                <a:spcPts val="1000"/>
+              </a:spcAft>
+            </a:pPr>
+            <a:r>
+              <a:rPr lang="en-IN" dirty="0"/>
+              <a:t>AUC ranges in value from 0 to 1. A model whose predictions are 100% wrong has an AUC of 0.0; one whose predictions are 100% correct has an AUC of 1.0</a:t>
+            </a:r>
+            <a:r>
+              <a:rPr lang="en-IN" dirty="0" smtClean="0"/>
+              <a:t>.</a:t>
+            </a:r>
+          </a:p>
+          <a:p>
+            <a:endParaRPr lang="en-IN" dirty="0" smtClean="0"/>
+          </a:p>
+          <a:p>
+            <a:r>
+              <a:rPr lang="en-IN" dirty="0" smtClean="0"/>
+              <a:t>AUC </a:t>
+            </a:r>
+            <a:r>
+              <a:rPr lang="en-IN" dirty="0"/>
+              <a:t>is desirable for the following two reasons:</a:t>
+            </a:r>
+          </a:p>
+          <a:p>
+            <a:pPr marL="285750" indent="-285750">
+              <a:buFont typeface="Arial" panose="020B0604020202020204" pitchFamily="34" charset="0"/>
+              <a:buChar char="•"/>
+            </a:pPr>
+            <a:r>
+              <a:rPr lang="en-IN" dirty="0"/>
+              <a:t>AUC is </a:t>
+            </a:r>
+            <a:r>
+              <a:rPr lang="en-IN" b="1" dirty="0"/>
+              <a:t>scale-invariant</a:t>
+            </a:r>
+            <a:r>
+              <a:rPr lang="en-IN" dirty="0"/>
+              <a:t>. It measures how well predictions are ranked, rather than their absolute values.</a:t>
+            </a:r>
+          </a:p>
+          <a:p>
+            <a:pPr marL="285750" indent="-285750">
+              <a:buFont typeface="Arial" panose="020B0604020202020204" pitchFamily="34" charset="0"/>
+              <a:buChar char="•"/>
+            </a:pPr>
+            <a:r>
+              <a:rPr lang="en-IN" dirty="0"/>
+              <a:t>AUC is </a:t>
+            </a:r>
+            <a:r>
+              <a:rPr lang="en-IN" b="1" dirty="0"/>
+              <a:t>classification-threshold-invariant</a:t>
+            </a:r>
+            <a:r>
+              <a:rPr lang="en-IN" dirty="0"/>
+              <a:t>. It measures the quality of the model's predictions irrespective of what classification threshold is chosen.</a:t>
+            </a:r>
+          </a:p>
+          <a:p>
+            <a:pPr>
+              <a:spcAft>
+                <a:spcPts val="1000"/>
+              </a:spcAft>
+            </a:pPr>
+            <a:endParaRPr lang="en-US" dirty="0" smtClean="0"/>
+          </a:p>
+          <a:p>
+            <a:r>
+              <a:rPr lang="en-IN" dirty="0"/>
+              <a:t>However, both these reasons come with caveats, which may limit the usefulness of AUC in certain use cases:</a:t>
+            </a:r>
+          </a:p>
+          <a:p>
+            <a:pPr marL="285750" indent="-285750">
+              <a:buFont typeface="Arial" panose="020B0604020202020204" pitchFamily="34" charset="0"/>
+              <a:buChar char="•"/>
+            </a:pPr>
+            <a:r>
+              <a:rPr lang="en-IN" b="1" dirty="0"/>
+              <a:t>Scale invariance is not always desirable.</a:t>
+            </a:r>
+            <a:r>
+              <a:rPr lang="en-IN" dirty="0"/>
+              <a:t> For example, sometimes we really do need well calibrated probability outputs, and AUC won’t tell us about that.</a:t>
+            </a:r>
+          </a:p>
+          <a:p>
+            <a:pPr marL="285750" indent="-285750">
+              <a:buFont typeface="Arial" panose="020B0604020202020204" pitchFamily="34" charset="0"/>
+              <a:buChar char="•"/>
+            </a:pPr>
+            <a:r>
+              <a:rPr lang="en-IN" b="1" dirty="0"/>
+              <a:t>Classification-threshold invariance is not always desirable.</a:t>
+            </a:r>
+            <a:r>
+              <a:rPr lang="en-IN" dirty="0"/>
+              <a:t> In cases where there are wide disparities in the cost of false negatives vs. false positives, it may be critical to minimize one type of classification error. For example, when doing email spam detection, you likely want to prioritize minimizing false positives (even if that results in a significant increase of false negatives). AUC isn't a useful metric for this type of optimization.</a:t>
+            </a:r>
+          </a:p>
+          <a:p>
+            <a:pPr>
+              <a:spcAft>
+                <a:spcPts val="1000"/>
+              </a:spcAft>
+            </a:pPr>
+            <a:endParaRPr lang="en-US" dirty="0"/>
+          </a:p>
+        </p:txBody>
+      </p:sp>
+    </p:spTree>
+    <p:extLst>
+      <p:ext uri="{BB962C8B-B14F-4D97-AF65-F5344CB8AC3E}">
+        <p14:creationId xmlns:p14="http://schemas.microsoft.com/office/powerpoint/2010/main" val="2209822276"/>
       </p:ext>
     </p:extLst>
   </p:cSld>
@@ -8077,6 +9324,1454 @@
     <p:extLst>
       <p:ext uri="{BB962C8B-B14F-4D97-AF65-F5344CB8AC3E}">
         <p14:creationId xmlns:p14="http://schemas.microsoft.com/office/powerpoint/2010/main" val="2936631515"/>
+      </p:ext>
+    </p:extLst>
+  </p:cSld>
+  <p:clrMapOvr>
+    <a:masterClrMapping/>
+  </p:clrMapOvr>
+  <p:timing>
+    <p:tnLst>
+      <p:par>
+        <p:cTn id="1" dur="indefinite" restart="never" nodeType="tmRoot"/>
+      </p:par>
+    </p:tnLst>
+  </p:timing>
+</p:sld>
+</file>
+
+<file path=ppt/slides/slide30.xml><?xml version="1.0" encoding="utf-8"?>
+<p:sld xmlns:a="http://schemas.openxmlformats.org/drawingml/2006/main" xmlns:r="http://schemas.openxmlformats.org/officeDocument/2006/relationships" xmlns:p="http://schemas.openxmlformats.org/presentationml/2006/main">
+  <p:cSld>
+    <p:spTree>
+      <p:nvGrpSpPr>
+        <p:cNvPr id="1" name=""/>
+        <p:cNvGrpSpPr/>
+        <p:nvPr/>
+      </p:nvGrpSpPr>
+      <p:grpSpPr>
+        <a:xfrm>
+          <a:off x="0" y="0"/>
+          <a:ext cx="0" cy="0"/>
+          <a:chOff x="0" y="0"/>
+          <a:chExt cx="0" cy="0"/>
+        </a:xfrm>
+      </p:grpSpPr>
+      <p:sp>
+        <p:nvSpPr>
+          <p:cNvPr id="5" name="Title 1"/>
+          <p:cNvSpPr txBox="1">
+            <a:spLocks/>
+          </p:cNvSpPr>
+          <p:nvPr/>
+        </p:nvSpPr>
+        <p:spPr>
+          <a:xfrm>
+            <a:off x="567253" y="114020"/>
+            <a:ext cx="10932020" cy="711548"/>
+          </a:xfrm>
+          <a:prstGeom prst="rect">
+            <a:avLst/>
+          </a:prstGeom>
+        </p:spPr>
+        <p:txBody>
+          <a:bodyPr vert="horz" lIns="91440" tIns="45720" rIns="91440" bIns="45720" rtlCol="0" anchor="ctr">
+            <a:normAutofit/>
+          </a:bodyPr>
+          <a:lstStyle>
+            <a:lvl1pPr algn="l" defTabSz="914400" rtl="0" eaLnBrk="1" latinLnBrk="0" hangingPunct="1">
+              <a:lnSpc>
+                <a:spcPct val="90000"/>
+              </a:lnSpc>
+              <a:spcBef>
+                <a:spcPct val="0"/>
+              </a:spcBef>
+              <a:buNone/>
+              <a:defRPr sz="4400" kern="1200">
+                <a:solidFill>
+                  <a:schemeClr val="tx1"/>
+                </a:solidFill>
+                <a:latin typeface="+mj-lt"/>
+                <a:ea typeface="+mj-ea"/>
+                <a:cs typeface="+mj-cs"/>
+              </a:defRPr>
+            </a:lvl1pPr>
+          </a:lstStyle>
+          <a:p>
+            <a:r>
+              <a:rPr lang="en-US" sz="4000" dirty="0" smtClean="0"/>
+              <a:t>Performance Metrics</a:t>
+            </a:r>
+            <a:endParaRPr lang="en-IN" sz="4000" dirty="0"/>
+          </a:p>
+        </p:txBody>
+      </p:sp>
+      <p:cxnSp>
+        <p:nvCxnSpPr>
+          <p:cNvPr id="6" name="Straight Connector 5"/>
+          <p:cNvCxnSpPr/>
+          <p:nvPr/>
+        </p:nvCxnSpPr>
+        <p:spPr>
+          <a:xfrm>
+            <a:off x="665018" y="774182"/>
+            <a:ext cx="10834255" cy="0"/>
+          </a:xfrm>
+          <a:prstGeom prst="line">
+            <a:avLst/>
+          </a:prstGeom>
+          <a:ln>
+            <a:solidFill>
+              <a:schemeClr val="bg1">
+                <a:lumMod val="75000"/>
+              </a:schemeClr>
+            </a:solidFill>
+          </a:ln>
+        </p:spPr>
+        <p:style>
+          <a:lnRef idx="1">
+            <a:schemeClr val="dk1"/>
+          </a:lnRef>
+          <a:fillRef idx="0">
+            <a:schemeClr val="dk1"/>
+          </a:fillRef>
+          <a:effectRef idx="0">
+            <a:schemeClr val="dk1"/>
+          </a:effectRef>
+          <a:fontRef idx="minor">
+            <a:schemeClr val="tx1"/>
+          </a:fontRef>
+        </p:style>
+      </p:cxnSp>
+      <p:sp>
+        <p:nvSpPr>
+          <p:cNvPr id="2" name="Rectangle 1"/>
+          <p:cNvSpPr/>
+          <p:nvPr/>
+        </p:nvSpPr>
+        <p:spPr>
+          <a:xfrm>
+            <a:off x="567253" y="825568"/>
+            <a:ext cx="11049491" cy="3329116"/>
+          </a:xfrm>
+          <a:prstGeom prst="rect">
+            <a:avLst/>
+          </a:prstGeom>
+        </p:spPr>
+        <p:txBody>
+          <a:bodyPr wrap="square">
+            <a:spAutoFit/>
+          </a:bodyPr>
+          <a:lstStyle/>
+          <a:p>
+            <a:pPr>
+              <a:spcAft>
+                <a:spcPts val="1000"/>
+              </a:spcAft>
+            </a:pPr>
+            <a:r>
+              <a:rPr lang="en-US" sz="2200" dirty="0" smtClean="0"/>
+              <a:t>Different metrics used:</a:t>
+            </a:r>
+            <a:endParaRPr lang="en-US" dirty="0"/>
+          </a:p>
+          <a:p>
+            <a:pPr marL="742950" lvl="1" indent="-285750">
+              <a:buFont typeface="Arial" panose="020B0604020202020204" pitchFamily="34" charset="0"/>
+              <a:buChar char="•"/>
+            </a:pPr>
+            <a:r>
+              <a:rPr lang="en-US" dirty="0" smtClean="0"/>
+              <a:t>Confusion Matrix</a:t>
+            </a:r>
+          </a:p>
+          <a:p>
+            <a:pPr marL="742950" lvl="1" indent="-285750">
+              <a:buFont typeface="Arial" panose="020B0604020202020204" pitchFamily="34" charset="0"/>
+              <a:buChar char="•"/>
+            </a:pPr>
+            <a:r>
+              <a:rPr lang="en-US" dirty="0" smtClean="0"/>
+              <a:t>Accuracy</a:t>
+            </a:r>
+          </a:p>
+          <a:p>
+            <a:pPr marL="742950" lvl="1" indent="-285750">
+              <a:buFont typeface="Arial" panose="020B0604020202020204" pitchFamily="34" charset="0"/>
+              <a:buChar char="•"/>
+            </a:pPr>
+            <a:r>
+              <a:rPr lang="en-US" dirty="0" smtClean="0"/>
+              <a:t>Precision</a:t>
+            </a:r>
+          </a:p>
+          <a:p>
+            <a:pPr marL="742950" lvl="1" indent="-285750">
+              <a:buFont typeface="Arial" panose="020B0604020202020204" pitchFamily="34" charset="0"/>
+              <a:buChar char="•"/>
+            </a:pPr>
+            <a:r>
+              <a:rPr lang="en-US" dirty="0" smtClean="0"/>
+              <a:t>Recall or Sensitivity</a:t>
+            </a:r>
+          </a:p>
+          <a:p>
+            <a:pPr marL="742950" lvl="1" indent="-285750">
+              <a:buFont typeface="Arial" panose="020B0604020202020204" pitchFamily="34" charset="0"/>
+              <a:buChar char="•"/>
+            </a:pPr>
+            <a:r>
+              <a:rPr lang="en-US" dirty="0" smtClean="0"/>
+              <a:t>Specificity</a:t>
+            </a:r>
+          </a:p>
+          <a:p>
+            <a:pPr marL="742950" lvl="1" indent="-285750">
+              <a:buFont typeface="Arial" panose="020B0604020202020204" pitchFamily="34" charset="0"/>
+              <a:buChar char="•"/>
+            </a:pPr>
+            <a:r>
+              <a:rPr lang="en-US" dirty="0" smtClean="0"/>
+              <a:t>F1 Score</a:t>
+            </a:r>
+          </a:p>
+          <a:p>
+            <a:pPr marL="742950" lvl="1" indent="-285750">
+              <a:buFont typeface="Arial" panose="020B0604020202020204" pitchFamily="34" charset="0"/>
+              <a:buChar char="•"/>
+            </a:pPr>
+            <a:r>
+              <a:rPr lang="en-US" dirty="0" smtClean="0"/>
+              <a:t>Log Loss</a:t>
+            </a:r>
+          </a:p>
+          <a:p>
+            <a:pPr marL="742950" lvl="1" indent="-285750">
+              <a:buFont typeface="Arial" panose="020B0604020202020204" pitchFamily="34" charset="0"/>
+              <a:buChar char="•"/>
+            </a:pPr>
+            <a:r>
+              <a:rPr lang="en-US" dirty="0" smtClean="0"/>
+              <a:t>Area under the curve (AUC)</a:t>
+            </a:r>
+          </a:p>
+          <a:p>
+            <a:pPr marL="742950" lvl="1" indent="-285750">
+              <a:buFont typeface="Arial" panose="020B0604020202020204" pitchFamily="34" charset="0"/>
+              <a:buChar char="•"/>
+            </a:pPr>
+            <a:r>
+              <a:rPr lang="en-US" b="1" dirty="0" smtClean="0">
+                <a:solidFill>
+                  <a:srgbClr val="FF7F0E"/>
+                </a:solidFill>
+              </a:rPr>
+              <a:t>MAE – Mean Absolute Error</a:t>
+            </a:r>
+          </a:p>
+          <a:p>
+            <a:pPr marL="742950" lvl="1" indent="-285750">
+              <a:buFont typeface="Arial" panose="020B0604020202020204" pitchFamily="34" charset="0"/>
+              <a:buChar char="•"/>
+            </a:pPr>
+            <a:r>
+              <a:rPr lang="en-US" dirty="0" smtClean="0"/>
+              <a:t>MSE – Mean Squared Error</a:t>
+            </a:r>
+          </a:p>
+        </p:txBody>
+      </p:sp>
+    </p:spTree>
+    <p:extLst>
+      <p:ext uri="{BB962C8B-B14F-4D97-AF65-F5344CB8AC3E}">
+        <p14:creationId xmlns:p14="http://schemas.microsoft.com/office/powerpoint/2010/main" val="641094770"/>
+      </p:ext>
+    </p:extLst>
+  </p:cSld>
+  <p:clrMapOvr>
+    <a:masterClrMapping/>
+  </p:clrMapOvr>
+</p:sld>
+</file>
+
+<file path=ppt/slides/slide31.xml><?xml version="1.0" encoding="utf-8"?>
+<p:sld xmlns:a="http://schemas.openxmlformats.org/drawingml/2006/main" xmlns:r="http://schemas.openxmlformats.org/officeDocument/2006/relationships" xmlns:p="http://schemas.openxmlformats.org/presentationml/2006/main">
+  <p:cSld>
+    <p:spTree>
+      <p:nvGrpSpPr>
+        <p:cNvPr id="1" name=""/>
+        <p:cNvGrpSpPr/>
+        <p:nvPr/>
+      </p:nvGrpSpPr>
+      <p:grpSpPr>
+        <a:xfrm>
+          <a:off x="0" y="0"/>
+          <a:ext cx="0" cy="0"/>
+          <a:chOff x="0" y="0"/>
+          <a:chExt cx="0" cy="0"/>
+        </a:xfrm>
+      </p:grpSpPr>
+      <p:pic>
+        <p:nvPicPr>
+          <p:cNvPr id="4" name="Picture 3"/>
+          <p:cNvPicPr>
+            <a:picLocks noChangeAspect="1"/>
+          </p:cNvPicPr>
+          <p:nvPr/>
+        </p:nvPicPr>
+        <p:blipFill>
+          <a:blip r:embed="rId2">
+            <a:extLst>
+              <a:ext uri="{28A0092B-C50C-407E-A947-70E740481C1C}">
+                <a14:useLocalDpi xmlns:a14="http://schemas.microsoft.com/office/drawing/2010/main" val="0"/>
+              </a:ext>
+            </a:extLst>
+          </a:blip>
+          <a:stretch>
+            <a:fillRect/>
+          </a:stretch>
+        </p:blipFill>
+        <p:spPr>
+          <a:xfrm>
+            <a:off x="5119939" y="2073499"/>
+            <a:ext cx="6379334" cy="4784501"/>
+          </a:xfrm>
+          <a:prstGeom prst="rect">
+            <a:avLst/>
+          </a:prstGeom>
+        </p:spPr>
+      </p:pic>
+      <p:sp>
+        <p:nvSpPr>
+          <p:cNvPr id="5" name="Title 1"/>
+          <p:cNvSpPr txBox="1">
+            <a:spLocks/>
+          </p:cNvSpPr>
+          <p:nvPr/>
+        </p:nvSpPr>
+        <p:spPr>
+          <a:xfrm>
+            <a:off x="567253" y="114020"/>
+            <a:ext cx="10932020" cy="711548"/>
+          </a:xfrm>
+          <a:prstGeom prst="rect">
+            <a:avLst/>
+          </a:prstGeom>
+        </p:spPr>
+        <p:txBody>
+          <a:bodyPr vert="horz" lIns="91440" tIns="45720" rIns="91440" bIns="45720" rtlCol="0" anchor="ctr">
+            <a:normAutofit/>
+          </a:bodyPr>
+          <a:lstStyle>
+            <a:lvl1pPr algn="l" defTabSz="914400" rtl="0" eaLnBrk="1" latinLnBrk="0" hangingPunct="1">
+              <a:lnSpc>
+                <a:spcPct val="90000"/>
+              </a:lnSpc>
+              <a:spcBef>
+                <a:spcPct val="0"/>
+              </a:spcBef>
+              <a:buNone/>
+              <a:defRPr sz="4400" kern="1200">
+                <a:solidFill>
+                  <a:schemeClr val="tx1"/>
+                </a:solidFill>
+                <a:latin typeface="+mj-lt"/>
+                <a:ea typeface="+mj-ea"/>
+                <a:cs typeface="+mj-cs"/>
+              </a:defRPr>
+            </a:lvl1pPr>
+          </a:lstStyle>
+          <a:p>
+            <a:r>
+              <a:rPr lang="en-US" sz="4000" dirty="0" smtClean="0"/>
+              <a:t>Mean Absolute Error</a:t>
+            </a:r>
+            <a:endParaRPr lang="en-IN" sz="4000" dirty="0"/>
+          </a:p>
+        </p:txBody>
+      </p:sp>
+      <p:cxnSp>
+        <p:nvCxnSpPr>
+          <p:cNvPr id="6" name="Straight Connector 5"/>
+          <p:cNvCxnSpPr/>
+          <p:nvPr/>
+        </p:nvCxnSpPr>
+        <p:spPr>
+          <a:xfrm>
+            <a:off x="665018" y="774182"/>
+            <a:ext cx="10834255" cy="0"/>
+          </a:xfrm>
+          <a:prstGeom prst="line">
+            <a:avLst/>
+          </a:prstGeom>
+          <a:ln>
+            <a:solidFill>
+              <a:schemeClr val="bg1">
+                <a:lumMod val="75000"/>
+              </a:schemeClr>
+            </a:solidFill>
+          </a:ln>
+        </p:spPr>
+        <p:style>
+          <a:lnRef idx="1">
+            <a:schemeClr val="dk1"/>
+          </a:lnRef>
+          <a:fillRef idx="0">
+            <a:schemeClr val="dk1"/>
+          </a:fillRef>
+          <a:effectRef idx="0">
+            <a:schemeClr val="dk1"/>
+          </a:effectRef>
+          <a:fontRef idx="minor">
+            <a:schemeClr val="tx1"/>
+          </a:fontRef>
+        </p:style>
+      </p:cxnSp>
+      <p:sp>
+        <p:nvSpPr>
+          <p:cNvPr id="7" name="Rectangle 6"/>
+          <p:cNvSpPr/>
+          <p:nvPr/>
+        </p:nvSpPr>
+        <p:spPr>
+          <a:xfrm>
+            <a:off x="567253" y="825568"/>
+            <a:ext cx="11049491" cy="1456809"/>
+          </a:xfrm>
+          <a:prstGeom prst="rect">
+            <a:avLst/>
+          </a:prstGeom>
+        </p:spPr>
+        <p:txBody>
+          <a:bodyPr wrap="square">
+            <a:spAutoFit/>
+          </a:bodyPr>
+          <a:lstStyle/>
+          <a:p>
+            <a:pPr>
+              <a:spcAft>
+                <a:spcPts val="1000"/>
+              </a:spcAft>
+            </a:pPr>
+            <a:r>
+              <a:rPr lang="en-IN" b="1" dirty="0"/>
+              <a:t>Mean Absolute Error </a:t>
+            </a:r>
+            <a:r>
+              <a:rPr lang="en-IN" dirty="0"/>
+              <a:t>is the average of the difference between the </a:t>
+            </a:r>
+            <a:r>
+              <a:rPr lang="en-IN" dirty="0" smtClean="0"/>
+              <a:t>original values </a:t>
+            </a:r>
+            <a:r>
+              <a:rPr lang="en-IN" dirty="0"/>
+              <a:t>and the </a:t>
+            </a:r>
+            <a:r>
+              <a:rPr lang="en-IN" dirty="0" smtClean="0"/>
+              <a:t>predicted values</a:t>
+            </a:r>
+            <a:r>
+              <a:rPr lang="en-IN" dirty="0"/>
+              <a:t>. </a:t>
+            </a:r>
+            <a:endParaRPr lang="en-IN" dirty="0" smtClean="0"/>
+          </a:p>
+          <a:p>
+            <a:pPr>
+              <a:spcAft>
+                <a:spcPts val="1000"/>
+              </a:spcAft>
+            </a:pPr>
+            <a:r>
+              <a:rPr lang="en-IN" dirty="0" smtClean="0"/>
+              <a:t>It </a:t>
+            </a:r>
+            <a:r>
+              <a:rPr lang="en-IN" dirty="0"/>
+              <a:t>gives </a:t>
+            </a:r>
+            <a:r>
+              <a:rPr lang="en-IN" dirty="0" smtClean="0"/>
+              <a:t>us </a:t>
+            </a:r>
+            <a:r>
+              <a:rPr lang="en-IN" dirty="0"/>
+              <a:t>the measure of how far the predictions were from the actual output. However, they don’t gives us any idea of the direction of the error i.e. whether we are under predicting the data or over predicting the data. </a:t>
+            </a:r>
+            <a:endParaRPr lang="en-IN" dirty="0" smtClean="0"/>
+          </a:p>
+          <a:p>
+            <a:pPr>
+              <a:spcAft>
+                <a:spcPts val="1000"/>
+              </a:spcAft>
+            </a:pPr>
+            <a:r>
+              <a:rPr lang="en-IN" dirty="0" smtClean="0"/>
+              <a:t>Mathematically</a:t>
+            </a:r>
+            <a:r>
+              <a:rPr lang="en-IN" dirty="0"/>
+              <a:t>, it is represented as :</a:t>
+            </a:r>
+            <a:endParaRPr lang="en-IN" dirty="0" smtClean="0"/>
+          </a:p>
+        </p:txBody>
+      </p:sp>
+      <p:pic>
+        <p:nvPicPr>
+          <p:cNvPr id="3" name="Picture 2"/>
+          <p:cNvPicPr>
+            <a:picLocks noChangeAspect="1"/>
+          </p:cNvPicPr>
+          <p:nvPr/>
+        </p:nvPicPr>
+        <p:blipFill>
+          <a:blip r:embed="rId3">
+            <a:extLst>
+              <a:ext uri="{28A0092B-C50C-407E-A947-70E740481C1C}">
+                <a14:useLocalDpi xmlns:a14="http://schemas.microsoft.com/office/drawing/2010/main" val="0"/>
+              </a:ext>
+            </a:extLst>
+          </a:blip>
+          <a:stretch>
+            <a:fillRect/>
+          </a:stretch>
+        </p:blipFill>
+        <p:spPr>
+          <a:xfrm>
+            <a:off x="986221" y="3530308"/>
+            <a:ext cx="3714750" cy="1247775"/>
+          </a:xfrm>
+          <a:prstGeom prst="rect">
+            <a:avLst/>
+          </a:prstGeom>
+        </p:spPr>
+      </p:pic>
+    </p:spTree>
+    <p:extLst>
+      <p:ext uri="{BB962C8B-B14F-4D97-AF65-F5344CB8AC3E}">
+        <p14:creationId xmlns:p14="http://schemas.microsoft.com/office/powerpoint/2010/main" val="2282765649"/>
+      </p:ext>
+    </p:extLst>
+  </p:cSld>
+  <p:clrMapOvr>
+    <a:masterClrMapping/>
+  </p:clrMapOvr>
+</p:sld>
+</file>
+
+<file path=ppt/slides/slide32.xml><?xml version="1.0" encoding="utf-8"?>
+<p:sld xmlns:a="http://schemas.openxmlformats.org/drawingml/2006/main" xmlns:r="http://schemas.openxmlformats.org/officeDocument/2006/relationships" xmlns:p="http://schemas.openxmlformats.org/presentationml/2006/main">
+  <p:cSld>
+    <p:spTree>
+      <p:nvGrpSpPr>
+        <p:cNvPr id="1" name=""/>
+        <p:cNvGrpSpPr/>
+        <p:nvPr/>
+      </p:nvGrpSpPr>
+      <p:grpSpPr>
+        <a:xfrm>
+          <a:off x="0" y="0"/>
+          <a:ext cx="0" cy="0"/>
+          <a:chOff x="0" y="0"/>
+          <a:chExt cx="0" cy="0"/>
+        </a:xfrm>
+      </p:grpSpPr>
+      <p:sp>
+        <p:nvSpPr>
+          <p:cNvPr id="5" name="Title 1"/>
+          <p:cNvSpPr txBox="1">
+            <a:spLocks/>
+          </p:cNvSpPr>
+          <p:nvPr/>
+        </p:nvSpPr>
+        <p:spPr>
+          <a:xfrm>
+            <a:off x="567253" y="114020"/>
+            <a:ext cx="10932020" cy="711548"/>
+          </a:xfrm>
+          <a:prstGeom prst="rect">
+            <a:avLst/>
+          </a:prstGeom>
+        </p:spPr>
+        <p:txBody>
+          <a:bodyPr vert="horz" lIns="91440" tIns="45720" rIns="91440" bIns="45720" rtlCol="0" anchor="ctr">
+            <a:normAutofit/>
+          </a:bodyPr>
+          <a:lstStyle>
+            <a:lvl1pPr algn="l" defTabSz="914400" rtl="0" eaLnBrk="1" latinLnBrk="0" hangingPunct="1">
+              <a:lnSpc>
+                <a:spcPct val="90000"/>
+              </a:lnSpc>
+              <a:spcBef>
+                <a:spcPct val="0"/>
+              </a:spcBef>
+              <a:buNone/>
+              <a:defRPr sz="4400" kern="1200">
+                <a:solidFill>
+                  <a:schemeClr val="tx1"/>
+                </a:solidFill>
+                <a:latin typeface="+mj-lt"/>
+                <a:ea typeface="+mj-ea"/>
+                <a:cs typeface="+mj-cs"/>
+              </a:defRPr>
+            </a:lvl1pPr>
+          </a:lstStyle>
+          <a:p>
+            <a:r>
+              <a:rPr lang="en-US" sz="4000" dirty="0" smtClean="0"/>
+              <a:t>Performance Metrics</a:t>
+            </a:r>
+            <a:endParaRPr lang="en-IN" sz="4000" dirty="0"/>
+          </a:p>
+        </p:txBody>
+      </p:sp>
+      <p:cxnSp>
+        <p:nvCxnSpPr>
+          <p:cNvPr id="6" name="Straight Connector 5"/>
+          <p:cNvCxnSpPr/>
+          <p:nvPr/>
+        </p:nvCxnSpPr>
+        <p:spPr>
+          <a:xfrm>
+            <a:off x="665018" y="774182"/>
+            <a:ext cx="10834255" cy="0"/>
+          </a:xfrm>
+          <a:prstGeom prst="line">
+            <a:avLst/>
+          </a:prstGeom>
+          <a:ln>
+            <a:solidFill>
+              <a:schemeClr val="bg1">
+                <a:lumMod val="75000"/>
+              </a:schemeClr>
+            </a:solidFill>
+          </a:ln>
+        </p:spPr>
+        <p:style>
+          <a:lnRef idx="1">
+            <a:schemeClr val="dk1"/>
+          </a:lnRef>
+          <a:fillRef idx="0">
+            <a:schemeClr val="dk1"/>
+          </a:fillRef>
+          <a:effectRef idx="0">
+            <a:schemeClr val="dk1"/>
+          </a:effectRef>
+          <a:fontRef idx="minor">
+            <a:schemeClr val="tx1"/>
+          </a:fontRef>
+        </p:style>
+      </p:cxnSp>
+      <p:sp>
+        <p:nvSpPr>
+          <p:cNvPr id="2" name="Rectangle 1"/>
+          <p:cNvSpPr/>
+          <p:nvPr/>
+        </p:nvSpPr>
+        <p:spPr>
+          <a:xfrm>
+            <a:off x="567253" y="825568"/>
+            <a:ext cx="11049491" cy="3329116"/>
+          </a:xfrm>
+          <a:prstGeom prst="rect">
+            <a:avLst/>
+          </a:prstGeom>
+        </p:spPr>
+        <p:txBody>
+          <a:bodyPr wrap="square">
+            <a:spAutoFit/>
+          </a:bodyPr>
+          <a:lstStyle/>
+          <a:p>
+            <a:pPr>
+              <a:spcAft>
+                <a:spcPts val="1000"/>
+              </a:spcAft>
+            </a:pPr>
+            <a:r>
+              <a:rPr lang="en-US" sz="2200" dirty="0" smtClean="0"/>
+              <a:t>Different metrics used:</a:t>
+            </a:r>
+            <a:endParaRPr lang="en-US" dirty="0"/>
+          </a:p>
+          <a:p>
+            <a:pPr marL="742950" lvl="1" indent="-285750">
+              <a:buFont typeface="Arial" panose="020B0604020202020204" pitchFamily="34" charset="0"/>
+              <a:buChar char="•"/>
+            </a:pPr>
+            <a:r>
+              <a:rPr lang="en-US" dirty="0" smtClean="0"/>
+              <a:t>Confusion Matrix</a:t>
+            </a:r>
+          </a:p>
+          <a:p>
+            <a:pPr marL="742950" lvl="1" indent="-285750">
+              <a:buFont typeface="Arial" panose="020B0604020202020204" pitchFamily="34" charset="0"/>
+              <a:buChar char="•"/>
+            </a:pPr>
+            <a:r>
+              <a:rPr lang="en-US" dirty="0" smtClean="0"/>
+              <a:t>Accuracy</a:t>
+            </a:r>
+          </a:p>
+          <a:p>
+            <a:pPr marL="742950" lvl="1" indent="-285750">
+              <a:buFont typeface="Arial" panose="020B0604020202020204" pitchFamily="34" charset="0"/>
+              <a:buChar char="•"/>
+            </a:pPr>
+            <a:r>
+              <a:rPr lang="en-US" dirty="0" smtClean="0"/>
+              <a:t>Precision</a:t>
+            </a:r>
+          </a:p>
+          <a:p>
+            <a:pPr marL="742950" lvl="1" indent="-285750">
+              <a:buFont typeface="Arial" panose="020B0604020202020204" pitchFamily="34" charset="0"/>
+              <a:buChar char="•"/>
+            </a:pPr>
+            <a:r>
+              <a:rPr lang="en-US" dirty="0" smtClean="0"/>
+              <a:t>Recall or Sensitivity</a:t>
+            </a:r>
+          </a:p>
+          <a:p>
+            <a:pPr marL="742950" lvl="1" indent="-285750">
+              <a:buFont typeface="Arial" panose="020B0604020202020204" pitchFamily="34" charset="0"/>
+              <a:buChar char="•"/>
+            </a:pPr>
+            <a:r>
+              <a:rPr lang="en-US" dirty="0" smtClean="0"/>
+              <a:t>Specificity</a:t>
+            </a:r>
+          </a:p>
+          <a:p>
+            <a:pPr marL="742950" lvl="1" indent="-285750">
+              <a:buFont typeface="Arial" panose="020B0604020202020204" pitchFamily="34" charset="0"/>
+              <a:buChar char="•"/>
+            </a:pPr>
+            <a:r>
+              <a:rPr lang="en-US" dirty="0" smtClean="0"/>
+              <a:t>F1 Score</a:t>
+            </a:r>
+          </a:p>
+          <a:p>
+            <a:pPr marL="742950" lvl="1" indent="-285750">
+              <a:buFont typeface="Arial" panose="020B0604020202020204" pitchFamily="34" charset="0"/>
+              <a:buChar char="•"/>
+            </a:pPr>
+            <a:r>
+              <a:rPr lang="en-US" dirty="0" smtClean="0"/>
+              <a:t>Log Loss</a:t>
+            </a:r>
+          </a:p>
+          <a:p>
+            <a:pPr marL="742950" lvl="1" indent="-285750">
+              <a:buFont typeface="Arial" panose="020B0604020202020204" pitchFamily="34" charset="0"/>
+              <a:buChar char="•"/>
+            </a:pPr>
+            <a:r>
+              <a:rPr lang="en-US" dirty="0" smtClean="0"/>
+              <a:t>Area under the curve (AUC)</a:t>
+            </a:r>
+          </a:p>
+          <a:p>
+            <a:pPr marL="742950" lvl="1" indent="-285750">
+              <a:buFont typeface="Arial" panose="020B0604020202020204" pitchFamily="34" charset="0"/>
+              <a:buChar char="•"/>
+            </a:pPr>
+            <a:r>
+              <a:rPr lang="en-US" dirty="0" smtClean="0"/>
+              <a:t>MAE – Mean Absolute Error</a:t>
+            </a:r>
+          </a:p>
+          <a:p>
+            <a:pPr marL="742950" lvl="1" indent="-285750">
+              <a:buFont typeface="Arial" panose="020B0604020202020204" pitchFamily="34" charset="0"/>
+              <a:buChar char="•"/>
+            </a:pPr>
+            <a:r>
+              <a:rPr lang="en-US" b="1" dirty="0" smtClean="0">
+                <a:solidFill>
+                  <a:srgbClr val="FF7F0E"/>
+                </a:solidFill>
+              </a:rPr>
+              <a:t>MSE – Mean Squared Error</a:t>
+            </a:r>
+          </a:p>
+        </p:txBody>
+      </p:sp>
+    </p:spTree>
+    <p:extLst>
+      <p:ext uri="{BB962C8B-B14F-4D97-AF65-F5344CB8AC3E}">
+        <p14:creationId xmlns:p14="http://schemas.microsoft.com/office/powerpoint/2010/main" val="150623345"/>
+      </p:ext>
+    </p:extLst>
+  </p:cSld>
+  <p:clrMapOvr>
+    <a:masterClrMapping/>
+  </p:clrMapOvr>
+</p:sld>
+</file>
+
+<file path=ppt/slides/slide33.xml><?xml version="1.0" encoding="utf-8"?>
+<p:sld xmlns:a="http://schemas.openxmlformats.org/drawingml/2006/main" xmlns:r="http://schemas.openxmlformats.org/officeDocument/2006/relationships" xmlns:p="http://schemas.openxmlformats.org/presentationml/2006/main">
+  <p:cSld>
+    <p:spTree>
+      <p:nvGrpSpPr>
+        <p:cNvPr id="1" name=""/>
+        <p:cNvGrpSpPr/>
+        <p:nvPr/>
+      </p:nvGrpSpPr>
+      <p:grpSpPr>
+        <a:xfrm>
+          <a:off x="0" y="0"/>
+          <a:ext cx="0" cy="0"/>
+          <a:chOff x="0" y="0"/>
+          <a:chExt cx="0" cy="0"/>
+        </a:xfrm>
+      </p:grpSpPr>
+      <p:sp>
+        <p:nvSpPr>
+          <p:cNvPr id="5" name="Title 1"/>
+          <p:cNvSpPr txBox="1">
+            <a:spLocks/>
+          </p:cNvSpPr>
+          <p:nvPr/>
+        </p:nvSpPr>
+        <p:spPr>
+          <a:xfrm>
+            <a:off x="567253" y="114020"/>
+            <a:ext cx="10932020" cy="711548"/>
+          </a:xfrm>
+          <a:prstGeom prst="rect">
+            <a:avLst/>
+          </a:prstGeom>
+        </p:spPr>
+        <p:txBody>
+          <a:bodyPr vert="horz" lIns="91440" tIns="45720" rIns="91440" bIns="45720" rtlCol="0" anchor="ctr">
+            <a:normAutofit/>
+          </a:bodyPr>
+          <a:lstStyle>
+            <a:lvl1pPr algn="l" defTabSz="914400" rtl="0" eaLnBrk="1" latinLnBrk="0" hangingPunct="1">
+              <a:lnSpc>
+                <a:spcPct val="90000"/>
+              </a:lnSpc>
+              <a:spcBef>
+                <a:spcPct val="0"/>
+              </a:spcBef>
+              <a:buNone/>
+              <a:defRPr sz="4400" kern="1200">
+                <a:solidFill>
+                  <a:schemeClr val="tx1"/>
+                </a:solidFill>
+                <a:latin typeface="+mj-lt"/>
+                <a:ea typeface="+mj-ea"/>
+                <a:cs typeface="+mj-cs"/>
+              </a:defRPr>
+            </a:lvl1pPr>
+          </a:lstStyle>
+          <a:p>
+            <a:r>
+              <a:rPr lang="en-US" sz="4000" dirty="0" smtClean="0"/>
+              <a:t>Mean Squared Error</a:t>
+            </a:r>
+            <a:endParaRPr lang="en-IN" sz="4000" dirty="0"/>
+          </a:p>
+        </p:txBody>
+      </p:sp>
+      <p:cxnSp>
+        <p:nvCxnSpPr>
+          <p:cNvPr id="6" name="Straight Connector 5"/>
+          <p:cNvCxnSpPr/>
+          <p:nvPr/>
+        </p:nvCxnSpPr>
+        <p:spPr>
+          <a:xfrm>
+            <a:off x="665018" y="774182"/>
+            <a:ext cx="10834255" cy="0"/>
+          </a:xfrm>
+          <a:prstGeom prst="line">
+            <a:avLst/>
+          </a:prstGeom>
+          <a:ln>
+            <a:solidFill>
+              <a:schemeClr val="bg1">
+                <a:lumMod val="75000"/>
+              </a:schemeClr>
+            </a:solidFill>
+          </a:ln>
+        </p:spPr>
+        <p:style>
+          <a:lnRef idx="1">
+            <a:schemeClr val="dk1"/>
+          </a:lnRef>
+          <a:fillRef idx="0">
+            <a:schemeClr val="dk1"/>
+          </a:fillRef>
+          <a:effectRef idx="0">
+            <a:schemeClr val="dk1"/>
+          </a:effectRef>
+          <a:fontRef idx="minor">
+            <a:schemeClr val="tx1"/>
+          </a:fontRef>
+        </p:style>
+      </p:cxnSp>
+      <p:sp>
+        <p:nvSpPr>
+          <p:cNvPr id="7" name="Rectangle 6"/>
+          <p:cNvSpPr/>
+          <p:nvPr/>
+        </p:nvSpPr>
+        <p:spPr>
+          <a:xfrm>
+            <a:off x="567253" y="825568"/>
+            <a:ext cx="11049491" cy="4037003"/>
+          </a:xfrm>
+          <a:prstGeom prst="rect">
+            <a:avLst/>
+          </a:prstGeom>
+        </p:spPr>
+        <p:txBody>
+          <a:bodyPr wrap="square">
+            <a:spAutoFit/>
+          </a:bodyPr>
+          <a:lstStyle/>
+          <a:p>
+            <a:pPr>
+              <a:spcAft>
+                <a:spcPts val="1000"/>
+              </a:spcAft>
+            </a:pPr>
+            <a:r>
+              <a:rPr lang="en-IN" b="1" dirty="0"/>
+              <a:t>Mean Squared Error</a:t>
+            </a:r>
+            <a:r>
+              <a:rPr lang="en-IN" dirty="0"/>
+              <a:t>(MSE) is quite similar to Mean Absolute Error, the only difference being that MSE takes the average of the </a:t>
+            </a:r>
+            <a:r>
+              <a:rPr lang="en-IN" b="1" dirty="0"/>
+              <a:t>square </a:t>
+            </a:r>
+            <a:r>
+              <a:rPr lang="en-IN" dirty="0"/>
+              <a:t>of the difference between the original values and the predicted </a:t>
+            </a:r>
+            <a:r>
+              <a:rPr lang="en-IN" dirty="0" smtClean="0"/>
+              <a:t>values. </a:t>
+            </a:r>
+          </a:p>
+          <a:p>
+            <a:pPr>
+              <a:spcAft>
+                <a:spcPts val="1000"/>
+              </a:spcAft>
+            </a:pPr>
+            <a:r>
+              <a:rPr lang="en-IN" dirty="0"/>
+              <a:t>As, we take square of the error, the effect of larger errors become more pronounced then smaller error, hence the model can now focus more on the larger errors</a:t>
+            </a:r>
+            <a:r>
+              <a:rPr lang="en-IN" dirty="0" smtClean="0"/>
+              <a:t>.</a:t>
+            </a:r>
+          </a:p>
+          <a:p>
+            <a:pPr>
+              <a:spcAft>
+                <a:spcPts val="1000"/>
+              </a:spcAft>
+            </a:pPr>
+            <a:endParaRPr lang="en-US" dirty="0" smtClean="0"/>
+          </a:p>
+          <a:p>
+            <a:pPr>
+              <a:spcAft>
+                <a:spcPts val="1000"/>
+              </a:spcAft>
+            </a:pPr>
+            <a:endParaRPr lang="en-US" dirty="0"/>
+          </a:p>
+          <a:p>
+            <a:pPr>
+              <a:spcAft>
+                <a:spcPts val="1000"/>
+              </a:spcAft>
+            </a:pPr>
+            <a:endParaRPr lang="en-US" dirty="0" smtClean="0"/>
+          </a:p>
+          <a:p>
+            <a:pPr>
+              <a:spcAft>
+                <a:spcPts val="1000"/>
+              </a:spcAft>
+            </a:pPr>
+            <a:r>
+              <a:rPr lang="en-US" dirty="0" smtClean="0"/>
+              <a:t>Instead of MSE, we generally use RMSE, which is equal to the square root of MSE.</a:t>
+            </a:r>
+          </a:p>
+          <a:p>
+            <a:pPr>
+              <a:spcAft>
+                <a:spcPts val="1000"/>
+              </a:spcAft>
+            </a:pPr>
+            <a:r>
+              <a:rPr lang="en-IN" dirty="0"/>
+              <a:t>Taking the square root of the average squared errors has some interesting implications for RMSE. Since the errors are squared before they are averaged, the RMSE gives a relatively high weight to large errors. </a:t>
+            </a:r>
+            <a:endParaRPr lang="en-IN" dirty="0" smtClean="0"/>
+          </a:p>
+          <a:p>
+            <a:pPr>
+              <a:spcAft>
+                <a:spcPts val="1000"/>
+              </a:spcAft>
+            </a:pPr>
+            <a:r>
+              <a:rPr lang="en-IN" b="1" dirty="0" smtClean="0"/>
+              <a:t>This </a:t>
+            </a:r>
+            <a:r>
+              <a:rPr lang="en-IN" b="1" dirty="0"/>
+              <a:t>means the RMSE should be more useful when large errors are particularly undesirable</a:t>
+            </a:r>
+            <a:r>
+              <a:rPr lang="en-IN" dirty="0"/>
+              <a:t>. </a:t>
+            </a:r>
+            <a:endParaRPr lang="en-IN" dirty="0" smtClean="0"/>
+          </a:p>
+        </p:txBody>
+      </p:sp>
+      <p:pic>
+        <p:nvPicPr>
+          <p:cNvPr id="2" name="Picture 1"/>
+          <p:cNvPicPr>
+            <a:picLocks noChangeAspect="1"/>
+          </p:cNvPicPr>
+          <p:nvPr/>
+        </p:nvPicPr>
+        <p:blipFill>
+          <a:blip r:embed="rId2">
+            <a:extLst>
+              <a:ext uri="{28A0092B-C50C-407E-A947-70E740481C1C}">
+                <a14:useLocalDpi xmlns:a14="http://schemas.microsoft.com/office/drawing/2010/main" val="0"/>
+              </a:ext>
+            </a:extLst>
+          </a:blip>
+          <a:stretch>
+            <a:fillRect/>
+          </a:stretch>
+        </p:blipFill>
+        <p:spPr>
+          <a:xfrm>
+            <a:off x="4375285" y="2255825"/>
+            <a:ext cx="3307370" cy="912378"/>
+          </a:xfrm>
+          <a:prstGeom prst="rect">
+            <a:avLst/>
+          </a:prstGeom>
+        </p:spPr>
+      </p:pic>
+    </p:spTree>
+    <p:extLst>
+      <p:ext uri="{BB962C8B-B14F-4D97-AF65-F5344CB8AC3E}">
+        <p14:creationId xmlns:p14="http://schemas.microsoft.com/office/powerpoint/2010/main" val="1811719613"/>
+      </p:ext>
+    </p:extLst>
+  </p:cSld>
+  <p:clrMapOvr>
+    <a:masterClrMapping/>
+  </p:clrMapOvr>
+</p:sld>
+</file>
+
+<file path=ppt/slides/slide34.xml><?xml version="1.0" encoding="utf-8"?>
+<p:sld xmlns:a="http://schemas.openxmlformats.org/drawingml/2006/main" xmlns:r="http://schemas.openxmlformats.org/officeDocument/2006/relationships" xmlns:p="http://schemas.openxmlformats.org/presentationml/2006/main">
+  <p:cSld>
+    <p:spTree>
+      <p:nvGrpSpPr>
+        <p:cNvPr id="1" name=""/>
+        <p:cNvGrpSpPr/>
+        <p:nvPr/>
+      </p:nvGrpSpPr>
+      <p:grpSpPr>
+        <a:xfrm>
+          <a:off x="0" y="0"/>
+          <a:ext cx="0" cy="0"/>
+          <a:chOff x="0" y="0"/>
+          <a:chExt cx="0" cy="0"/>
+        </a:xfrm>
+      </p:grpSpPr>
+      <p:sp>
+        <p:nvSpPr>
+          <p:cNvPr id="5" name="Title 1"/>
+          <p:cNvSpPr txBox="1">
+            <a:spLocks/>
+          </p:cNvSpPr>
+          <p:nvPr/>
+        </p:nvSpPr>
+        <p:spPr>
+          <a:xfrm>
+            <a:off x="567253" y="114020"/>
+            <a:ext cx="10932020" cy="711548"/>
+          </a:xfrm>
+          <a:prstGeom prst="rect">
+            <a:avLst/>
+          </a:prstGeom>
+        </p:spPr>
+        <p:txBody>
+          <a:bodyPr vert="horz" lIns="91440" tIns="45720" rIns="91440" bIns="45720" rtlCol="0" anchor="ctr">
+            <a:normAutofit/>
+          </a:bodyPr>
+          <a:lstStyle>
+            <a:lvl1pPr algn="l" defTabSz="914400" rtl="0" eaLnBrk="1" latinLnBrk="0" hangingPunct="1">
+              <a:lnSpc>
+                <a:spcPct val="90000"/>
+              </a:lnSpc>
+              <a:spcBef>
+                <a:spcPct val="0"/>
+              </a:spcBef>
+              <a:buNone/>
+              <a:defRPr sz="4400" kern="1200">
+                <a:solidFill>
+                  <a:schemeClr val="tx1"/>
+                </a:solidFill>
+                <a:latin typeface="+mj-lt"/>
+                <a:ea typeface="+mj-ea"/>
+                <a:cs typeface="+mj-cs"/>
+              </a:defRPr>
+            </a:lvl1pPr>
+          </a:lstStyle>
+          <a:p>
+            <a:r>
+              <a:rPr lang="en-US" sz="4000" dirty="0" smtClean="0"/>
+              <a:t>Mean Squared Error</a:t>
+            </a:r>
+            <a:endParaRPr lang="en-IN" sz="4000" dirty="0"/>
+          </a:p>
+        </p:txBody>
+      </p:sp>
+      <p:cxnSp>
+        <p:nvCxnSpPr>
+          <p:cNvPr id="6" name="Straight Connector 5"/>
+          <p:cNvCxnSpPr/>
+          <p:nvPr/>
+        </p:nvCxnSpPr>
+        <p:spPr>
+          <a:xfrm>
+            <a:off x="665018" y="774182"/>
+            <a:ext cx="10834255" cy="0"/>
+          </a:xfrm>
+          <a:prstGeom prst="line">
+            <a:avLst/>
+          </a:prstGeom>
+          <a:ln>
+            <a:solidFill>
+              <a:schemeClr val="bg1">
+                <a:lumMod val="75000"/>
+              </a:schemeClr>
+            </a:solidFill>
+          </a:ln>
+        </p:spPr>
+        <p:style>
+          <a:lnRef idx="1">
+            <a:schemeClr val="dk1"/>
+          </a:lnRef>
+          <a:fillRef idx="0">
+            <a:schemeClr val="dk1"/>
+          </a:fillRef>
+          <a:effectRef idx="0">
+            <a:schemeClr val="dk1"/>
+          </a:effectRef>
+          <a:fontRef idx="minor">
+            <a:schemeClr val="tx1"/>
+          </a:fontRef>
+        </p:style>
+      </p:cxnSp>
+      <p:sp>
+        <p:nvSpPr>
+          <p:cNvPr id="7" name="Rectangle 6"/>
+          <p:cNvSpPr/>
+          <p:nvPr/>
+        </p:nvSpPr>
+        <p:spPr>
+          <a:xfrm>
+            <a:off x="567253" y="825568"/>
+            <a:ext cx="11049491" cy="646331"/>
+          </a:xfrm>
+          <a:prstGeom prst="rect">
+            <a:avLst/>
+          </a:prstGeom>
+        </p:spPr>
+        <p:txBody>
+          <a:bodyPr wrap="square">
+            <a:spAutoFit/>
+          </a:bodyPr>
+          <a:lstStyle/>
+          <a:p>
+            <a:pPr>
+              <a:spcAft>
+                <a:spcPts val="1000"/>
+              </a:spcAft>
+            </a:pPr>
+            <a:r>
+              <a:rPr lang="en-IN" dirty="0"/>
+              <a:t>The three tables below show examples where MAE is steady and RMSE increases as the variance associated with the frequency distribution of error magnitudes also increases.</a:t>
+            </a:r>
+            <a:endParaRPr lang="en-IN" dirty="0" smtClean="0"/>
+          </a:p>
+        </p:txBody>
+      </p:sp>
+      <p:pic>
+        <p:nvPicPr>
+          <p:cNvPr id="3" name="Picture 2"/>
+          <p:cNvPicPr>
+            <a:picLocks noChangeAspect="1"/>
+          </p:cNvPicPr>
+          <p:nvPr/>
+        </p:nvPicPr>
+        <p:blipFill>
+          <a:blip r:embed="rId2">
+            <a:extLst>
+              <a:ext uri="{28A0092B-C50C-407E-A947-70E740481C1C}">
+                <a14:useLocalDpi xmlns:a14="http://schemas.microsoft.com/office/drawing/2010/main" val="0"/>
+              </a:ext>
+            </a:extLst>
+          </a:blip>
+          <a:stretch>
+            <a:fillRect/>
+          </a:stretch>
+        </p:blipFill>
+        <p:spPr>
+          <a:xfrm>
+            <a:off x="788495" y="1859118"/>
+            <a:ext cx="10710778" cy="4278754"/>
+          </a:xfrm>
+          <a:prstGeom prst="rect">
+            <a:avLst/>
+          </a:prstGeom>
+        </p:spPr>
+      </p:pic>
+    </p:spTree>
+    <p:extLst>
+      <p:ext uri="{BB962C8B-B14F-4D97-AF65-F5344CB8AC3E}">
+        <p14:creationId xmlns:p14="http://schemas.microsoft.com/office/powerpoint/2010/main" val="3283432792"/>
+      </p:ext>
+    </p:extLst>
+  </p:cSld>
+  <p:clrMapOvr>
+    <a:masterClrMapping/>
+  </p:clrMapOvr>
+</p:sld>
+</file>
+
+<file path=ppt/slides/slide35.xml><?xml version="1.0" encoding="utf-8"?>
+<p:sld xmlns:a="http://schemas.openxmlformats.org/drawingml/2006/main" xmlns:r="http://schemas.openxmlformats.org/officeDocument/2006/relationships" xmlns:p="http://schemas.openxmlformats.org/presentationml/2006/main">
+  <p:cSld>
+    <p:spTree>
+      <p:nvGrpSpPr>
+        <p:cNvPr id="1" name=""/>
+        <p:cNvGrpSpPr/>
+        <p:nvPr/>
+      </p:nvGrpSpPr>
+      <p:grpSpPr>
+        <a:xfrm>
+          <a:off x="0" y="0"/>
+          <a:ext cx="0" cy="0"/>
+          <a:chOff x="0" y="0"/>
+          <a:chExt cx="0" cy="0"/>
+        </a:xfrm>
+      </p:grpSpPr>
+      <p:sp>
+        <p:nvSpPr>
+          <p:cNvPr id="5" name="Title 1"/>
+          <p:cNvSpPr txBox="1">
+            <a:spLocks/>
+          </p:cNvSpPr>
+          <p:nvPr/>
+        </p:nvSpPr>
+        <p:spPr>
+          <a:xfrm>
+            <a:off x="567253" y="114020"/>
+            <a:ext cx="10932020" cy="711548"/>
+          </a:xfrm>
+          <a:prstGeom prst="rect">
+            <a:avLst/>
+          </a:prstGeom>
+        </p:spPr>
+        <p:txBody>
+          <a:bodyPr vert="horz" lIns="91440" tIns="45720" rIns="91440" bIns="45720" rtlCol="0" anchor="ctr">
+            <a:normAutofit/>
+          </a:bodyPr>
+          <a:lstStyle>
+            <a:lvl1pPr algn="l" defTabSz="914400" rtl="0" eaLnBrk="1" latinLnBrk="0" hangingPunct="1">
+              <a:lnSpc>
+                <a:spcPct val="90000"/>
+              </a:lnSpc>
+              <a:spcBef>
+                <a:spcPct val="0"/>
+              </a:spcBef>
+              <a:buNone/>
+              <a:defRPr sz="4400" kern="1200">
+                <a:solidFill>
+                  <a:schemeClr val="tx1"/>
+                </a:solidFill>
+                <a:latin typeface="+mj-lt"/>
+                <a:ea typeface="+mj-ea"/>
+                <a:cs typeface="+mj-cs"/>
+              </a:defRPr>
+            </a:lvl1pPr>
+          </a:lstStyle>
+          <a:p>
+            <a:r>
+              <a:rPr lang="en-US" sz="4000" dirty="0" smtClean="0"/>
+              <a:t>Mean Squared Error</a:t>
+            </a:r>
+            <a:endParaRPr lang="en-IN" sz="4000" dirty="0"/>
+          </a:p>
+        </p:txBody>
+      </p:sp>
+      <p:cxnSp>
+        <p:nvCxnSpPr>
+          <p:cNvPr id="6" name="Straight Connector 5"/>
+          <p:cNvCxnSpPr/>
+          <p:nvPr/>
+        </p:nvCxnSpPr>
+        <p:spPr>
+          <a:xfrm>
+            <a:off x="665018" y="774182"/>
+            <a:ext cx="10834255" cy="0"/>
+          </a:xfrm>
+          <a:prstGeom prst="line">
+            <a:avLst/>
+          </a:prstGeom>
+          <a:ln>
+            <a:solidFill>
+              <a:schemeClr val="bg1">
+                <a:lumMod val="75000"/>
+              </a:schemeClr>
+            </a:solidFill>
+          </a:ln>
+        </p:spPr>
+        <p:style>
+          <a:lnRef idx="1">
+            <a:schemeClr val="dk1"/>
+          </a:lnRef>
+          <a:fillRef idx="0">
+            <a:schemeClr val="dk1"/>
+          </a:fillRef>
+          <a:effectRef idx="0">
+            <a:schemeClr val="dk1"/>
+          </a:effectRef>
+          <a:fontRef idx="minor">
+            <a:schemeClr val="tx1"/>
+          </a:fontRef>
+        </p:style>
+      </p:cxnSp>
+      <p:sp>
+        <p:nvSpPr>
+          <p:cNvPr id="7" name="Rectangle 6"/>
+          <p:cNvSpPr/>
+          <p:nvPr/>
+        </p:nvSpPr>
+        <p:spPr>
+          <a:xfrm>
+            <a:off x="567253" y="825568"/>
+            <a:ext cx="11049491" cy="2693045"/>
+          </a:xfrm>
+          <a:prstGeom prst="rect">
+            <a:avLst/>
+          </a:prstGeom>
+        </p:spPr>
+        <p:txBody>
+          <a:bodyPr wrap="square">
+            <a:spAutoFit/>
+          </a:bodyPr>
+          <a:lstStyle/>
+          <a:p>
+            <a:pPr>
+              <a:spcAft>
+                <a:spcPts val="1000"/>
+              </a:spcAft>
+            </a:pPr>
+            <a:r>
+              <a:rPr lang="en-IN" b="1" dirty="0" smtClean="0"/>
+              <a:t>Conclusion:</a:t>
+            </a:r>
+          </a:p>
+          <a:p>
+            <a:pPr marL="342900" indent="-342900">
+              <a:spcAft>
+                <a:spcPts val="1000"/>
+              </a:spcAft>
+              <a:buAutoNum type="arabicPeriod"/>
+            </a:pPr>
+            <a:r>
+              <a:rPr lang="en-IN" dirty="0" smtClean="0"/>
+              <a:t>RMSE </a:t>
+            </a:r>
+            <a:r>
+              <a:rPr lang="en-IN" dirty="0"/>
+              <a:t>has the benefit of penalizing large errors more so can be more appropriate in some cases, for example, if being off by 10 is more than twice as bad as being off by 5. But if being off by 10 is just twice as bad as being off by 5, then MAE is more </a:t>
+            </a:r>
+            <a:r>
+              <a:rPr lang="en-IN" dirty="0" smtClean="0"/>
+              <a:t>appropriate.</a:t>
+            </a:r>
+          </a:p>
+          <a:p>
+            <a:pPr marL="342900" indent="-342900">
+              <a:spcAft>
+                <a:spcPts val="1000"/>
+              </a:spcAft>
+              <a:buAutoNum type="arabicPeriod"/>
+            </a:pPr>
+            <a:r>
+              <a:rPr lang="en-IN" dirty="0" smtClean="0"/>
+              <a:t>From </a:t>
+            </a:r>
+            <a:r>
+              <a:rPr lang="en-IN" dirty="0"/>
+              <a:t>an interpretation standpoint, MAE is clearly the winner. RMSE does not describe average error alone and has other implications that are more difficult to tease out and </a:t>
+            </a:r>
+            <a:r>
+              <a:rPr lang="en-IN" dirty="0" smtClean="0"/>
+              <a:t>understand.</a:t>
+            </a:r>
+          </a:p>
+          <a:p>
+            <a:pPr marL="342900" indent="-342900">
+              <a:spcAft>
+                <a:spcPts val="1000"/>
+              </a:spcAft>
+              <a:buAutoNum type="arabicPeriod"/>
+            </a:pPr>
+            <a:r>
+              <a:rPr lang="en-IN" dirty="0" smtClean="0"/>
+              <a:t>One </a:t>
+            </a:r>
+            <a:r>
+              <a:rPr lang="en-IN" dirty="0"/>
+              <a:t>distinct advantage of RMSE over MAE is that RMSE avoids the use of taking the absolute value, which is undesirable in many mathematical calculations</a:t>
+            </a:r>
+            <a:endParaRPr lang="en-IN" dirty="0" smtClean="0"/>
+          </a:p>
+        </p:txBody>
+      </p:sp>
+    </p:spTree>
+    <p:extLst>
+      <p:ext uri="{BB962C8B-B14F-4D97-AF65-F5344CB8AC3E}">
+        <p14:creationId xmlns:p14="http://schemas.microsoft.com/office/powerpoint/2010/main" val="3972177029"/>
       </p:ext>
     </p:extLst>
   </p:cSld>
@@ -8390,6 +11085,13 @@
   <p:clrMapOvr>
     <a:masterClrMapping/>
   </p:clrMapOvr>
+  <p:timing>
+    <p:tnLst>
+      <p:par>
+        <p:cTn id="1" dur="indefinite" restart="never" nodeType="tmRoot"/>
+      </p:par>
+    </p:tnLst>
+  </p:timing>
 </p:sld>
 </file>
 
@@ -8638,6 +11340,13 @@
   <p:clrMapOvr>
     <a:masterClrMapping/>
   </p:clrMapOvr>
+  <p:timing>
+    <p:tnLst>
+      <p:par>
+        <p:cTn id="1" dur="indefinite" restart="never" nodeType="tmRoot"/>
+      </p:par>
+    </p:tnLst>
+  </p:timing>
 </p:sld>
 </file>
 
@@ -8876,6 +11585,13 @@
   <p:clrMapOvr>
     <a:masterClrMapping/>
   </p:clrMapOvr>
+  <p:timing>
+    <p:tnLst>
+      <p:par>
+        <p:cTn id="1" dur="indefinite" restart="never" nodeType="tmRoot"/>
+      </p:par>
+    </p:tnLst>
+  </p:timing>
 </p:sld>
 </file>
 
@@ -9044,6 +11760,13 @@
   <p:clrMapOvr>
     <a:masterClrMapping/>
   </p:clrMapOvr>
+  <p:timing>
+    <p:tnLst>
+      <p:par>
+        <p:cTn id="1" dur="indefinite" restart="never" nodeType="tmRoot"/>
+      </p:par>
+    </p:tnLst>
+  </p:timing>
 </p:sld>
 </file>
 
@@ -9247,6 +11970,13 @@
   <p:clrMapOvr>
     <a:masterClrMapping/>
   </p:clrMapOvr>
+  <p:timing>
+    <p:tnLst>
+      <p:par>
+        <p:cTn id="1" dur="indefinite" restart="never" nodeType="tmRoot"/>
+      </p:par>
+    </p:tnLst>
+  </p:timing>
 </p:sld>
 </file>
 
@@ -9488,6 +12218,13 @@
   <p:clrMapOvr>
     <a:masterClrMapping/>
   </p:clrMapOvr>
+  <p:timing>
+    <p:tnLst>
+      <p:par>
+        <p:cTn id="1" dur="indefinite" restart="never" nodeType="tmRoot"/>
+      </p:par>
+    </p:tnLst>
+  </p:timing>
 </p:sld>
 </file>
 
